--- a/doc/ppt/Scratch_For_Kids_1.pptx
+++ b/doc/ppt/Scratch_For_Kids_1.pptx
@@ -1,28 +1,28 @@
 
 <file path=ppt/presentation.xml><?xml version="1.0" encoding="utf-8"?>
-<p:presentation xmlns:a="http://schemas.openxmlformats.org/drawingml/2006/main" xmlns:r="http://schemas.openxmlformats.org/officeDocument/2006/relationships" xmlns:p="http://schemas.openxmlformats.org/presentationml/2006/main" xmlns:m="http://schemas.openxmlformats.org/officeDocument/2006/math" xmlns:a14="http://schemas.microsoft.com/office/drawing/2010/main">
+<p:presentation xmlns:a="http://schemas.openxmlformats.org/drawingml/2006/main" xmlns:r="http://schemas.openxmlformats.org/officeDocument/2006/relationships" xmlns:p="http://schemas.openxmlformats.org/presentationml/2006/main">
   <p:sldMasterIdLst>
-    <p:sldMasterId id="2147483648" r:id="rId5"/>
+    <p:sldMasterId id="2147483648" r:id="rId1"/>
   </p:sldMasterIdLst>
   <p:notesMasterIdLst>
-    <p:notesMasterId r:id="rId7"/>
+    <p:notesMasterId r:id="rId17"/>
   </p:notesMasterIdLst>
   <p:sldIdLst>
-    <p:sldId id="256" r:id="rId8"/>
-    <p:sldId id="257" r:id="rId9"/>
-    <p:sldId id="258" r:id="rId10"/>
-    <p:sldId id="259" r:id="rId11"/>
-    <p:sldId id="260" r:id="rId12"/>
-    <p:sldId id="261" r:id="rId13"/>
-    <p:sldId id="262" r:id="rId14"/>
-    <p:sldId id="263" r:id="rId15"/>
-    <p:sldId id="264" r:id="rId16"/>
-    <p:sldId id="265" r:id="rId17"/>
-    <p:sldId id="266" r:id="rId18"/>
-    <p:sldId id="267" r:id="rId19"/>
-    <p:sldId id="268" r:id="rId20"/>
-    <p:sldId id="269" r:id="rId21"/>
-    <p:sldId id="270" r:id="rId22"/>
+    <p:sldId id="256" r:id="rId2"/>
+    <p:sldId id="257" r:id="rId3"/>
+    <p:sldId id="258" r:id="rId4"/>
+    <p:sldId id="259" r:id="rId5"/>
+    <p:sldId id="260" r:id="rId6"/>
+    <p:sldId id="261" r:id="rId7"/>
+    <p:sldId id="262" r:id="rId8"/>
+    <p:sldId id="263" r:id="rId9"/>
+    <p:sldId id="264" r:id="rId10"/>
+    <p:sldId id="265" r:id="rId11"/>
+    <p:sldId id="266" r:id="rId12"/>
+    <p:sldId id="267" r:id="rId13"/>
+    <p:sldId id="268" r:id="rId14"/>
+    <p:sldId id="269" r:id="rId15"/>
+    <p:sldId id="270" r:id="rId16"/>
   </p:sldIdLst>
   <p:sldSz cx="12192000" cy="6858000"/>
   <p:notesSz cx="6858000" cy="9144000"/>
@@ -42,7 +42,7 @@
       <a:buFontTx/>
       <a:buNone/>
       <a:tabLst/>
-      <a:defRPr b="0" baseline="0" cap="none" i="0" spc="0" strike="noStrike" sz="1800" u="none" kumimoji="0" normalizeH="0">
+      <a:defRPr kumimoji="0" sz="1800" b="0" i="0" u="none" strike="noStrike" cap="none" spc="0" normalizeH="0" baseline="0">
         <a:ln>
           <a:noFill/>
         </a:ln>
@@ -68,7 +68,7 @@
       <a:buFontTx/>
       <a:buNone/>
       <a:tabLst/>
-      <a:defRPr b="0" baseline="0" cap="none" i="0" spc="0" strike="noStrike" sz="1800" u="none" kumimoji="0" normalizeH="0">
+      <a:defRPr kumimoji="0" sz="1800" b="0" i="0" u="none" strike="noStrike" cap="none" spc="0" normalizeH="0" baseline="0">
         <a:ln>
           <a:noFill/>
         </a:ln>
@@ -98,7 +98,7 @@
       <a:buFontTx/>
       <a:buNone/>
       <a:tabLst/>
-      <a:defRPr b="0" baseline="0" cap="none" i="0" spc="0" strike="noStrike" sz="1800" u="none" kumimoji="0" normalizeH="0">
+      <a:defRPr kumimoji="0" sz="1800" b="0" i="0" u="none" strike="noStrike" cap="none" spc="0" normalizeH="0" baseline="0">
         <a:ln>
           <a:noFill/>
         </a:ln>
@@ -128,7 +128,7 @@
       <a:buFontTx/>
       <a:buNone/>
       <a:tabLst/>
-      <a:defRPr b="0" baseline="0" cap="none" i="0" spc="0" strike="noStrike" sz="1800" u="none" kumimoji="0" normalizeH="0">
+      <a:defRPr kumimoji="0" sz="1800" b="0" i="0" u="none" strike="noStrike" cap="none" spc="0" normalizeH="0" baseline="0">
         <a:ln>
           <a:noFill/>
         </a:ln>
@@ -158,7 +158,7 @@
       <a:buFontTx/>
       <a:buNone/>
       <a:tabLst/>
-      <a:defRPr b="0" baseline="0" cap="none" i="0" spc="0" strike="noStrike" sz="1800" u="none" kumimoji="0" normalizeH="0">
+      <a:defRPr kumimoji="0" sz="1800" b="0" i="0" u="none" strike="noStrike" cap="none" spc="0" normalizeH="0" baseline="0">
         <a:ln>
           <a:noFill/>
         </a:ln>
@@ -188,7 +188,7 @@
       <a:buFontTx/>
       <a:buNone/>
       <a:tabLst/>
-      <a:defRPr b="0" baseline="0" cap="none" i="0" spc="0" strike="noStrike" sz="1800" u="none" kumimoji="0" normalizeH="0">
+      <a:defRPr kumimoji="0" sz="1800" b="0" i="0" u="none" strike="noStrike" cap="none" spc="0" normalizeH="0" baseline="0">
         <a:ln>
           <a:noFill/>
         </a:ln>
@@ -218,7 +218,7 @@
       <a:buFontTx/>
       <a:buNone/>
       <a:tabLst/>
-      <a:defRPr b="0" baseline="0" cap="none" i="0" spc="0" strike="noStrike" sz="1800" u="none" kumimoji="0" normalizeH="0">
+      <a:defRPr kumimoji="0" sz="1800" b="0" i="0" u="none" strike="noStrike" cap="none" spc="0" normalizeH="0" baseline="0">
         <a:ln>
           <a:noFill/>
         </a:ln>
@@ -248,7 +248,7 @@
       <a:buFontTx/>
       <a:buNone/>
       <a:tabLst/>
-      <a:defRPr b="0" baseline="0" cap="none" i="0" spc="0" strike="noStrike" sz="1800" u="none" kumimoji="0" normalizeH="0">
+      <a:defRPr kumimoji="0" sz="1800" b="0" i="0" u="none" strike="noStrike" cap="none" spc="0" normalizeH="0" baseline="0">
         <a:ln>
           <a:noFill/>
         </a:ln>
@@ -278,7 +278,7 @@
       <a:buFontTx/>
       <a:buNone/>
       <a:tabLst/>
-      <a:defRPr b="0" baseline="0" cap="none" i="0" spc="0" strike="noStrike" sz="1800" u="none" kumimoji="0" normalizeH="0">
+      <a:defRPr kumimoji="0" sz="1800" b="0" i="0" u="none" strike="noStrike" cap="none" spc="0" normalizeH="0" baseline="0">
         <a:ln>
           <a:noFill/>
         </a:ln>
@@ -308,7 +308,7 @@
       <a:buFontTx/>
       <a:buNone/>
       <a:tabLst/>
-      <a:defRPr b="0" baseline="0" cap="none" i="0" spc="0" strike="noStrike" sz="1800" u="none" kumimoji="0" normalizeH="0">
+      <a:defRPr kumimoji="0" sz="1800" b="0" i="0" u="none" strike="noStrike" cap="none" spc="0" normalizeH="0" baseline="0">
         <a:ln>
           <a:noFill/>
         </a:ln>
@@ -327,13 +327,14 @@
 </p:presentation>
 </file>
 
-<file path=ppt/commentAuthors.xml><?xml version="1.0" encoding="utf-8"?>
-<p:cmAuthorLst xmlns:a="http://schemas.openxmlformats.org/drawingml/2006/main" xmlns:r="http://schemas.openxmlformats.org/officeDocument/2006/relationships" xmlns:p="http://schemas.openxmlformats.org/presentationml/2006/main" xmlns:m="http://schemas.openxmlformats.org/officeDocument/2006/math" xmlns:a14="http://schemas.microsoft.com/office/drawing/2010/main"/>
-</file>
-
 <file path=ppt/notesMasters/notesMaster1.xml><?xml version="1.0" encoding="utf-8"?>
-<p:notesMaster xmlns:a="http://schemas.openxmlformats.org/drawingml/2006/main" xmlns:r="http://schemas.openxmlformats.org/officeDocument/2006/relationships" xmlns:p="http://schemas.openxmlformats.org/presentationml/2006/main" xmlns:m="http://schemas.openxmlformats.org/officeDocument/2006/math" xmlns:a14="http://schemas.microsoft.com/office/drawing/2010/main">
+<p:notesMaster xmlns:a="http://schemas.openxmlformats.org/drawingml/2006/main" xmlns:r="http://schemas.openxmlformats.org/officeDocument/2006/relationships" xmlns:p="http://schemas.openxmlformats.org/presentationml/2006/main">
   <p:cSld>
+    <p:bg>
+      <p:bgRef idx="1001">
+        <a:schemeClr val="bg1"/>
+      </p:bgRef>
+    </p:bg>
     <p:spTree>
       <p:nvGrpSpPr>
         <p:cNvPr id="1" name=""/>
@@ -351,7 +352,9 @@
       <p:sp>
         <p:nvSpPr>
           <p:cNvPr id="109" name="Shape 109"/>
-          <p:cNvSpPr/>
+          <p:cNvSpPr>
+            <a:spLocks noGrp="1" noRot="1" noChangeAspect="1"/>
+          </p:cNvSpPr>
           <p:nvPr>
             <p:ph type="sldImg"/>
           </p:nvPr>
@@ -369,14 +372,16 @@
           <a:bodyPr/>
           <a:lstStyle/>
           <a:p>
-            <a:pPr/>
+            <a:endParaRPr/>
           </a:p>
         </p:txBody>
       </p:sp>
       <p:sp>
         <p:nvSpPr>
           <p:cNvPr id="110" name="Shape 110"/>
-          <p:cNvSpPr/>
+          <p:cNvSpPr>
+            <a:spLocks noGrp="1"/>
+          </p:cNvSpPr>
           <p:nvPr>
             <p:ph type="body" sz="quarter" idx="1"/>
           </p:nvPr>
@@ -394,7 +399,7 @@
           <a:bodyPr/>
           <a:lstStyle/>
           <a:p>
-            <a:pPr/>
+            <a:endParaRPr/>
           </a:p>
         </p:txBody>
       </p:sp>
@@ -479,7 +484,7 @@
 </file>
 
 <file path=ppt/slideLayouts/slideLayout1.xml><?xml version="1.0" encoding="utf-8"?>
-<p:sldLayout xmlns:a="http://schemas.openxmlformats.org/drawingml/2006/main" xmlns:r="http://schemas.openxmlformats.org/officeDocument/2006/relationships" xmlns:p="http://schemas.openxmlformats.org/presentationml/2006/main" xmlns:m="http://schemas.openxmlformats.org/officeDocument/2006/math" xmlns:a14="http://schemas.microsoft.com/office/drawing/2010/main" type="title" showMasterSp="1" showMasterPhAnim="1">
+<p:sldLayout xmlns:a="http://schemas.openxmlformats.org/drawingml/2006/main" xmlns:r="http://schemas.openxmlformats.org/officeDocument/2006/relationships" xmlns:p="http://schemas.openxmlformats.org/presentationml/2006/main" type="title">
   <p:cSld name="标题幻灯片">
     <p:spTree>
       <p:nvGrpSpPr>
@@ -498,7 +503,9 @@
       <p:sp>
         <p:nvSpPr>
           <p:cNvPr id="11" name="标题文本"/>
-          <p:cNvSpPr txBox="1"/>
+          <p:cNvSpPr txBox="1">
+            <a:spLocks noGrp="1"/>
+          </p:cNvSpPr>
           <p:nvPr>
             <p:ph type="title"/>
           </p:nvPr>
@@ -520,7 +527,6 @@
             </a:lvl1pPr>
           </a:lstStyle>
           <a:p>
-            <a:pPr/>
             <a:r>
               <a:t>标题文本</a:t>
             </a:r>
@@ -530,7 +536,9 @@
       <p:sp>
         <p:nvSpPr>
           <p:cNvPr id="12" name="正文级别 1…"/>
-          <p:cNvSpPr txBox="1"/>
+          <p:cNvSpPr txBox="1">
+            <a:spLocks noGrp="1"/>
+          </p:cNvSpPr>
           <p:nvPr>
             <p:ph type="body" sz="quarter" idx="1"/>
           </p:nvPr>
@@ -579,7 +587,6 @@
             </a:lvl5pPr>
           </a:lstStyle>
           <a:p>
-            <a:pPr/>
             <a:r>
               <a:t>正文级别 1</a:t>
             </a:r>
@@ -613,7 +620,9 @@
       <p:sp>
         <p:nvSpPr>
           <p:cNvPr id="13" name="幻灯片编号"/>
-          <p:cNvSpPr txBox="1"/>
+          <p:cNvSpPr txBox="1">
+            <a:spLocks noGrp="1"/>
+          </p:cNvSpPr>
           <p:nvPr>
             <p:ph type="sldNum" sz="quarter" idx="2"/>
           </p:nvPr>
@@ -627,8 +636,10 @@
           <a:bodyPr/>
           <a:lstStyle/>
           <a:p>
-            <a:pPr/>
-            <a:fld id="{86CB4B4D-7CA3-9044-876B-883B54F8677D}" type="slidenum"/>
+            <a:fld id="{86CB4B4D-7CA3-9044-876B-883B54F8677D}" type="slidenum">
+              <a:t>‹#›</a:t>
+            </a:fld>
+            <a:endParaRPr/>
           </a:p>
         </p:txBody>
       </p:sp>
@@ -637,12 +648,12 @@
   <p:clrMapOvr>
     <a:masterClrMapping/>
   </p:clrMapOvr>
-  <p:transition xmlns:p14="http://schemas.microsoft.com/office/powerpoint/2010/main" spd="med" advClick="1"/>
+  <p:transition spd="med"/>
 </p:sldLayout>
 </file>
 
 <file path=ppt/slideLayouts/slideLayout10.xml><?xml version="1.0" encoding="utf-8"?>
-<p:sldLayout xmlns:a="http://schemas.openxmlformats.org/drawingml/2006/main" xmlns:r="http://schemas.openxmlformats.org/officeDocument/2006/relationships" xmlns:p="http://schemas.openxmlformats.org/presentationml/2006/main" xmlns:m="http://schemas.openxmlformats.org/officeDocument/2006/math" xmlns:a14="http://schemas.microsoft.com/office/drawing/2010/main" type="tx" showMasterSp="1" showMasterPhAnim="1">
+<p:sldLayout xmlns:a="http://schemas.openxmlformats.org/drawingml/2006/main" xmlns:r="http://schemas.openxmlformats.org/officeDocument/2006/relationships" xmlns:p="http://schemas.openxmlformats.org/presentationml/2006/main" type="tx">
   <p:cSld name="标题和竖排文本">
     <p:spTree>
       <p:nvGrpSpPr>
@@ -661,7 +672,9 @@
       <p:sp>
         <p:nvSpPr>
           <p:cNvPr id="92" name="标题文本"/>
-          <p:cNvSpPr txBox="1"/>
+          <p:cNvSpPr txBox="1">
+            <a:spLocks noGrp="1"/>
+          </p:cNvSpPr>
           <p:nvPr>
             <p:ph type="title"/>
           </p:nvPr>
@@ -675,7 +688,6 @@
           <a:bodyPr/>
           <a:lstStyle/>
           <a:p>
-            <a:pPr/>
             <a:r>
               <a:t>标题文本</a:t>
             </a:r>
@@ -685,7 +697,9 @@
       <p:sp>
         <p:nvSpPr>
           <p:cNvPr id="93" name="正文级别 1…"/>
-          <p:cNvSpPr txBox="1"/>
+          <p:cNvSpPr txBox="1">
+            <a:spLocks noGrp="1"/>
+          </p:cNvSpPr>
           <p:nvPr>
             <p:ph type="body" idx="1"/>
           </p:nvPr>
@@ -699,7 +713,6 @@
           <a:bodyPr/>
           <a:lstStyle/>
           <a:p>
-            <a:pPr/>
             <a:r>
               <a:t>正文级别 1</a:t>
             </a:r>
@@ -733,7 +746,9 @@
       <p:sp>
         <p:nvSpPr>
           <p:cNvPr id="94" name="幻灯片编号"/>
-          <p:cNvSpPr txBox="1"/>
+          <p:cNvSpPr txBox="1">
+            <a:spLocks noGrp="1"/>
+          </p:cNvSpPr>
           <p:nvPr>
             <p:ph type="sldNum" sz="quarter" idx="2"/>
           </p:nvPr>
@@ -747,8 +762,10 @@
           <a:bodyPr/>
           <a:lstStyle/>
           <a:p>
-            <a:pPr/>
-            <a:fld id="{86CB4B4D-7CA3-9044-876B-883B54F8677D}" type="slidenum"/>
+            <a:fld id="{86CB4B4D-7CA3-9044-876B-883B54F8677D}" type="slidenum">
+              <a:t>‹#›</a:t>
+            </a:fld>
+            <a:endParaRPr/>
           </a:p>
         </p:txBody>
       </p:sp>
@@ -757,12 +774,12 @@
   <p:clrMapOvr>
     <a:masterClrMapping/>
   </p:clrMapOvr>
-  <p:transition xmlns:p14="http://schemas.microsoft.com/office/powerpoint/2010/main" spd="med" advClick="1"/>
+  <p:transition spd="med"/>
 </p:sldLayout>
 </file>
 
 <file path=ppt/slideLayouts/slideLayout11.xml><?xml version="1.0" encoding="utf-8"?>
-<p:sldLayout xmlns:a="http://schemas.openxmlformats.org/drawingml/2006/main" xmlns:r="http://schemas.openxmlformats.org/officeDocument/2006/relationships" xmlns:p="http://schemas.openxmlformats.org/presentationml/2006/main" xmlns:m="http://schemas.openxmlformats.org/officeDocument/2006/math" xmlns:a14="http://schemas.microsoft.com/office/drawing/2010/main" type="tx" showMasterSp="1" showMasterPhAnim="1">
+<p:sldLayout xmlns:a="http://schemas.openxmlformats.org/drawingml/2006/main" xmlns:r="http://schemas.openxmlformats.org/officeDocument/2006/relationships" xmlns:p="http://schemas.openxmlformats.org/presentationml/2006/main" type="tx">
   <p:cSld name="竖排标题和文本">
     <p:spTree>
       <p:nvGrpSpPr>
@@ -781,7 +798,9 @@
       <p:sp>
         <p:nvSpPr>
           <p:cNvPr id="101" name="标题文本"/>
-          <p:cNvSpPr txBox="1"/>
+          <p:cNvSpPr txBox="1">
+            <a:spLocks noGrp="1"/>
+          </p:cNvSpPr>
           <p:nvPr>
             <p:ph type="title"/>
           </p:nvPr>
@@ -799,7 +818,6 @@
           <a:bodyPr/>
           <a:lstStyle/>
           <a:p>
-            <a:pPr/>
             <a:r>
               <a:t>标题文本</a:t>
             </a:r>
@@ -809,7 +827,9 @@
       <p:sp>
         <p:nvSpPr>
           <p:cNvPr id="102" name="正文级别 1…"/>
-          <p:cNvSpPr txBox="1"/>
+          <p:cNvSpPr txBox="1">
+            <a:spLocks noGrp="1"/>
+          </p:cNvSpPr>
           <p:nvPr>
             <p:ph type="body" idx="1"/>
           </p:nvPr>
@@ -827,7 +847,6 @@
           <a:bodyPr/>
           <a:lstStyle/>
           <a:p>
-            <a:pPr/>
             <a:r>
               <a:t>正文级别 1</a:t>
             </a:r>
@@ -861,7 +880,9 @@
       <p:sp>
         <p:nvSpPr>
           <p:cNvPr id="103" name="幻灯片编号"/>
-          <p:cNvSpPr txBox="1"/>
+          <p:cNvSpPr txBox="1">
+            <a:spLocks noGrp="1"/>
+          </p:cNvSpPr>
           <p:nvPr>
             <p:ph type="sldNum" sz="quarter" idx="2"/>
           </p:nvPr>
@@ -875,8 +896,10 @@
           <a:bodyPr/>
           <a:lstStyle/>
           <a:p>
-            <a:pPr/>
-            <a:fld id="{86CB4B4D-7CA3-9044-876B-883B54F8677D}" type="slidenum"/>
+            <a:fld id="{86CB4B4D-7CA3-9044-876B-883B54F8677D}" type="slidenum">
+              <a:t>‹#›</a:t>
+            </a:fld>
+            <a:endParaRPr/>
           </a:p>
         </p:txBody>
       </p:sp>
@@ -885,12 +908,12 @@
   <p:clrMapOvr>
     <a:masterClrMapping/>
   </p:clrMapOvr>
-  <p:transition xmlns:p14="http://schemas.microsoft.com/office/powerpoint/2010/main" spd="med" advClick="1"/>
+  <p:transition spd="med"/>
 </p:sldLayout>
 </file>
 
 <file path=ppt/slideLayouts/slideLayout2.xml><?xml version="1.0" encoding="utf-8"?>
-<p:sldLayout xmlns:a="http://schemas.openxmlformats.org/drawingml/2006/main" xmlns:r="http://schemas.openxmlformats.org/officeDocument/2006/relationships" xmlns:p="http://schemas.openxmlformats.org/presentationml/2006/main" xmlns:m="http://schemas.openxmlformats.org/officeDocument/2006/math" xmlns:a14="http://schemas.microsoft.com/office/drawing/2010/main" type="tx" showMasterSp="1" showMasterPhAnim="1">
+<p:sldLayout xmlns:a="http://schemas.openxmlformats.org/drawingml/2006/main" xmlns:r="http://schemas.openxmlformats.org/officeDocument/2006/relationships" xmlns:p="http://schemas.openxmlformats.org/presentationml/2006/main" type="tx">
   <p:cSld name="标题和内容">
     <p:spTree>
       <p:nvGrpSpPr>
@@ -909,7 +932,9 @@
       <p:sp>
         <p:nvSpPr>
           <p:cNvPr id="20" name="标题文本"/>
-          <p:cNvSpPr txBox="1"/>
+          <p:cNvSpPr txBox="1">
+            <a:spLocks noGrp="1"/>
+          </p:cNvSpPr>
           <p:nvPr>
             <p:ph type="title"/>
           </p:nvPr>
@@ -923,7 +948,6 @@
           <a:bodyPr/>
           <a:lstStyle/>
           <a:p>
-            <a:pPr/>
             <a:r>
               <a:t>标题文本</a:t>
             </a:r>
@@ -933,7 +957,9 @@
       <p:sp>
         <p:nvSpPr>
           <p:cNvPr id="21" name="正文级别 1…"/>
-          <p:cNvSpPr txBox="1"/>
+          <p:cNvSpPr txBox="1">
+            <a:spLocks noGrp="1"/>
+          </p:cNvSpPr>
           <p:nvPr>
             <p:ph type="body" idx="1"/>
           </p:nvPr>
@@ -947,7 +973,6 @@
           <a:bodyPr/>
           <a:lstStyle/>
           <a:p>
-            <a:pPr/>
             <a:r>
               <a:t>正文级别 1</a:t>
             </a:r>
@@ -981,7 +1006,9 @@
       <p:sp>
         <p:nvSpPr>
           <p:cNvPr id="22" name="幻灯片编号"/>
-          <p:cNvSpPr txBox="1"/>
+          <p:cNvSpPr txBox="1">
+            <a:spLocks noGrp="1"/>
+          </p:cNvSpPr>
           <p:nvPr>
             <p:ph type="sldNum" sz="quarter" idx="2"/>
           </p:nvPr>
@@ -995,8 +1022,10 @@
           <a:bodyPr/>
           <a:lstStyle/>
           <a:p>
-            <a:pPr/>
-            <a:fld id="{86CB4B4D-7CA3-9044-876B-883B54F8677D}" type="slidenum"/>
+            <a:fld id="{86CB4B4D-7CA3-9044-876B-883B54F8677D}" type="slidenum">
+              <a:t>‹#›</a:t>
+            </a:fld>
+            <a:endParaRPr/>
           </a:p>
         </p:txBody>
       </p:sp>
@@ -1005,12 +1034,12 @@
   <p:clrMapOvr>
     <a:masterClrMapping/>
   </p:clrMapOvr>
-  <p:transition xmlns:p14="http://schemas.microsoft.com/office/powerpoint/2010/main" spd="med" advClick="1"/>
+  <p:transition spd="med"/>
 </p:sldLayout>
 </file>
 
 <file path=ppt/slideLayouts/slideLayout3.xml><?xml version="1.0" encoding="utf-8"?>
-<p:sldLayout xmlns:a="http://schemas.openxmlformats.org/drawingml/2006/main" xmlns:r="http://schemas.openxmlformats.org/officeDocument/2006/relationships" xmlns:p="http://schemas.openxmlformats.org/presentationml/2006/main" xmlns:m="http://schemas.openxmlformats.org/officeDocument/2006/math" xmlns:a14="http://schemas.microsoft.com/office/drawing/2010/main" type="tx" showMasterSp="1" showMasterPhAnim="1">
+<p:sldLayout xmlns:a="http://schemas.openxmlformats.org/drawingml/2006/main" xmlns:r="http://schemas.openxmlformats.org/officeDocument/2006/relationships" xmlns:p="http://schemas.openxmlformats.org/presentationml/2006/main" type="tx">
   <p:cSld name="节标题">
     <p:spTree>
       <p:nvGrpSpPr>
@@ -1029,7 +1058,9 @@
       <p:sp>
         <p:nvSpPr>
           <p:cNvPr id="29" name="标题文本"/>
-          <p:cNvSpPr txBox="1"/>
+          <p:cNvSpPr txBox="1">
+            <a:spLocks noGrp="1"/>
+          </p:cNvSpPr>
           <p:nvPr>
             <p:ph type="title"/>
           </p:nvPr>
@@ -1051,7 +1082,6 @@
             </a:lvl1pPr>
           </a:lstStyle>
           <a:p>
-            <a:pPr/>
             <a:r>
               <a:t>标题文本</a:t>
             </a:r>
@@ -1061,7 +1091,9 @@
       <p:sp>
         <p:nvSpPr>
           <p:cNvPr id="30" name="正文级别 1…"/>
-          <p:cNvSpPr txBox="1"/>
+          <p:cNvSpPr txBox="1">
+            <a:spLocks noGrp="1"/>
+          </p:cNvSpPr>
           <p:nvPr>
             <p:ph type="body" sz="quarter" idx="1"/>
           </p:nvPr>
@@ -1130,7 +1162,6 @@
             </a:lvl5pPr>
           </a:lstStyle>
           <a:p>
-            <a:pPr/>
             <a:r>
               <a:t>正文级别 1</a:t>
             </a:r>
@@ -1164,7 +1195,9 @@
       <p:sp>
         <p:nvSpPr>
           <p:cNvPr id="31" name="幻灯片编号"/>
-          <p:cNvSpPr txBox="1"/>
+          <p:cNvSpPr txBox="1">
+            <a:spLocks noGrp="1"/>
+          </p:cNvSpPr>
           <p:nvPr>
             <p:ph type="sldNum" sz="quarter" idx="2"/>
           </p:nvPr>
@@ -1178,8 +1211,10 @@
           <a:bodyPr/>
           <a:lstStyle/>
           <a:p>
-            <a:pPr/>
-            <a:fld id="{86CB4B4D-7CA3-9044-876B-883B54F8677D}" type="slidenum"/>
+            <a:fld id="{86CB4B4D-7CA3-9044-876B-883B54F8677D}" type="slidenum">
+              <a:t>‹#›</a:t>
+            </a:fld>
+            <a:endParaRPr/>
           </a:p>
         </p:txBody>
       </p:sp>
@@ -1188,12 +1223,12 @@
   <p:clrMapOvr>
     <a:masterClrMapping/>
   </p:clrMapOvr>
-  <p:transition xmlns:p14="http://schemas.microsoft.com/office/powerpoint/2010/main" spd="med" advClick="1"/>
+  <p:transition spd="med"/>
 </p:sldLayout>
 </file>
 
 <file path=ppt/slideLayouts/slideLayout4.xml><?xml version="1.0" encoding="utf-8"?>
-<p:sldLayout xmlns:a="http://schemas.openxmlformats.org/drawingml/2006/main" xmlns:r="http://schemas.openxmlformats.org/officeDocument/2006/relationships" xmlns:p="http://schemas.openxmlformats.org/presentationml/2006/main" xmlns:m="http://schemas.openxmlformats.org/officeDocument/2006/math" xmlns:a14="http://schemas.microsoft.com/office/drawing/2010/main" type="tx" showMasterSp="1" showMasterPhAnim="1">
+<p:sldLayout xmlns:a="http://schemas.openxmlformats.org/drawingml/2006/main" xmlns:r="http://schemas.openxmlformats.org/officeDocument/2006/relationships" xmlns:p="http://schemas.openxmlformats.org/presentationml/2006/main" type="tx">
   <p:cSld name="两项内容">
     <p:spTree>
       <p:nvGrpSpPr>
@@ -1212,7 +1247,9 @@
       <p:sp>
         <p:nvSpPr>
           <p:cNvPr id="38" name="标题文本"/>
-          <p:cNvSpPr txBox="1"/>
+          <p:cNvSpPr txBox="1">
+            <a:spLocks noGrp="1"/>
+          </p:cNvSpPr>
           <p:nvPr>
             <p:ph type="title"/>
           </p:nvPr>
@@ -1226,7 +1263,6 @@
           <a:bodyPr/>
           <a:lstStyle/>
           <a:p>
-            <a:pPr/>
             <a:r>
               <a:t>标题文本</a:t>
             </a:r>
@@ -1236,7 +1272,9 @@
       <p:sp>
         <p:nvSpPr>
           <p:cNvPr id="39" name="正文级别 1…"/>
-          <p:cNvSpPr txBox="1"/>
+          <p:cNvSpPr txBox="1">
+            <a:spLocks noGrp="1"/>
+          </p:cNvSpPr>
           <p:nvPr>
             <p:ph type="body" sz="half" idx="1"/>
           </p:nvPr>
@@ -1254,7 +1292,6 @@
           <a:bodyPr/>
           <a:lstStyle/>
           <a:p>
-            <a:pPr/>
             <a:r>
               <a:t>正文级别 1</a:t>
             </a:r>
@@ -1288,7 +1325,9 @@
       <p:sp>
         <p:nvSpPr>
           <p:cNvPr id="40" name="幻灯片编号"/>
-          <p:cNvSpPr txBox="1"/>
+          <p:cNvSpPr txBox="1">
+            <a:spLocks noGrp="1"/>
+          </p:cNvSpPr>
           <p:nvPr>
             <p:ph type="sldNum" sz="quarter" idx="2"/>
           </p:nvPr>
@@ -1302,8 +1341,10 @@
           <a:bodyPr/>
           <a:lstStyle/>
           <a:p>
-            <a:pPr/>
-            <a:fld id="{86CB4B4D-7CA3-9044-876B-883B54F8677D}" type="slidenum"/>
+            <a:fld id="{86CB4B4D-7CA3-9044-876B-883B54F8677D}" type="slidenum">
+              <a:t>‹#›</a:t>
+            </a:fld>
+            <a:endParaRPr/>
           </a:p>
         </p:txBody>
       </p:sp>
@@ -1312,12 +1353,12 @@
   <p:clrMapOvr>
     <a:masterClrMapping/>
   </p:clrMapOvr>
-  <p:transition xmlns:p14="http://schemas.microsoft.com/office/powerpoint/2010/main" spd="med" advClick="1"/>
+  <p:transition spd="med"/>
 </p:sldLayout>
 </file>
 
 <file path=ppt/slideLayouts/slideLayout5.xml><?xml version="1.0" encoding="utf-8"?>
-<p:sldLayout xmlns:a="http://schemas.openxmlformats.org/drawingml/2006/main" xmlns:r="http://schemas.openxmlformats.org/officeDocument/2006/relationships" xmlns:p="http://schemas.openxmlformats.org/presentationml/2006/main" xmlns:m="http://schemas.openxmlformats.org/officeDocument/2006/math" xmlns:a14="http://schemas.microsoft.com/office/drawing/2010/main" type="tx" showMasterSp="1" showMasterPhAnim="1">
+<p:sldLayout xmlns:a="http://schemas.openxmlformats.org/drawingml/2006/main" xmlns:r="http://schemas.openxmlformats.org/officeDocument/2006/relationships" xmlns:p="http://schemas.openxmlformats.org/presentationml/2006/main" type="tx">
   <p:cSld name="比较">
     <p:spTree>
       <p:nvGrpSpPr>
@@ -1336,7 +1377,9 @@
       <p:sp>
         <p:nvSpPr>
           <p:cNvPr id="47" name="标题文本"/>
-          <p:cNvSpPr txBox="1"/>
+          <p:cNvSpPr txBox="1">
+            <a:spLocks noGrp="1"/>
+          </p:cNvSpPr>
           <p:nvPr>
             <p:ph type="title"/>
           </p:nvPr>
@@ -1354,7 +1397,6 @@
           <a:bodyPr/>
           <a:lstStyle/>
           <a:p>
-            <a:pPr/>
             <a:r>
               <a:t>标题文本</a:t>
             </a:r>
@@ -1364,7 +1406,9 @@
       <p:sp>
         <p:nvSpPr>
           <p:cNvPr id="48" name="正文级别 1…"/>
-          <p:cNvSpPr txBox="1"/>
+          <p:cNvSpPr txBox="1">
+            <a:spLocks noGrp="1"/>
+          </p:cNvSpPr>
           <p:nvPr>
             <p:ph type="body" sz="quarter" idx="1"/>
           </p:nvPr>
@@ -1385,35 +1429,34 @@
               <a:buSzTx/>
               <a:buFontTx/>
               <a:buNone/>
-              <a:defRPr b="1" sz="2400"/>
+              <a:defRPr sz="2400" b="1"/>
             </a:lvl1pPr>
             <a:lvl2pPr marL="0" indent="457200">
               <a:buSzTx/>
               <a:buFontTx/>
               <a:buNone/>
-              <a:defRPr b="1" sz="2400"/>
+              <a:defRPr sz="2400" b="1"/>
             </a:lvl2pPr>
             <a:lvl3pPr marL="0" indent="914400">
               <a:buSzTx/>
               <a:buFontTx/>
               <a:buNone/>
-              <a:defRPr b="1" sz="2400"/>
+              <a:defRPr sz="2400" b="1"/>
             </a:lvl3pPr>
             <a:lvl4pPr marL="0" indent="1371600">
               <a:buSzTx/>
               <a:buFontTx/>
               <a:buNone/>
-              <a:defRPr b="1" sz="2400"/>
+              <a:defRPr sz="2400" b="1"/>
             </a:lvl4pPr>
             <a:lvl5pPr marL="0" indent="1828800">
               <a:buSzTx/>
               <a:buFontTx/>
               <a:buNone/>
-              <a:defRPr b="1" sz="2400"/>
+              <a:defRPr sz="2400" b="1"/>
             </a:lvl5pPr>
           </a:lstStyle>
           <a:p>
-            <a:pPr/>
             <a:r>
               <a:t>正文级别 1</a:t>
             </a:r>
@@ -1447,7 +1490,9 @@
       <p:sp>
         <p:nvSpPr>
           <p:cNvPr id="49" name="文本占位符 4"/>
-          <p:cNvSpPr/>
+          <p:cNvSpPr>
+            <a:spLocks noGrp="1"/>
+          </p:cNvSpPr>
           <p:nvPr>
             <p:ph type="body" sz="quarter" idx="13"/>
           </p:nvPr>
@@ -1469,15 +1514,18 @@
               <a:buSzTx/>
               <a:buFontTx/>
               <a:buNone/>
-              <a:defRPr b="1" sz="2400"/>
+              <a:defRPr sz="2400" b="1"/>
             </a:pPr>
+            <a:endParaRPr/>
           </a:p>
         </p:txBody>
       </p:sp>
       <p:sp>
         <p:nvSpPr>
           <p:cNvPr id="50" name="幻灯片编号"/>
-          <p:cNvSpPr txBox="1"/>
+          <p:cNvSpPr txBox="1">
+            <a:spLocks noGrp="1"/>
+          </p:cNvSpPr>
           <p:nvPr>
             <p:ph type="sldNum" sz="quarter" idx="2"/>
           </p:nvPr>
@@ -1491,8 +1539,10 @@
           <a:bodyPr/>
           <a:lstStyle/>
           <a:p>
-            <a:pPr/>
-            <a:fld id="{86CB4B4D-7CA3-9044-876B-883B54F8677D}" type="slidenum"/>
+            <a:fld id="{86CB4B4D-7CA3-9044-876B-883B54F8677D}" type="slidenum">
+              <a:t>‹#›</a:t>
+            </a:fld>
+            <a:endParaRPr/>
           </a:p>
         </p:txBody>
       </p:sp>
@@ -1501,12 +1551,12 @@
   <p:clrMapOvr>
     <a:masterClrMapping/>
   </p:clrMapOvr>
-  <p:transition xmlns:p14="http://schemas.microsoft.com/office/powerpoint/2010/main" spd="med" advClick="1"/>
+  <p:transition spd="med"/>
 </p:sldLayout>
 </file>
 
 <file path=ppt/slideLayouts/slideLayout6.xml><?xml version="1.0" encoding="utf-8"?>
-<p:sldLayout xmlns:a="http://schemas.openxmlformats.org/drawingml/2006/main" xmlns:r="http://schemas.openxmlformats.org/officeDocument/2006/relationships" xmlns:p="http://schemas.openxmlformats.org/presentationml/2006/main" xmlns:m="http://schemas.openxmlformats.org/officeDocument/2006/math" xmlns:a14="http://schemas.microsoft.com/office/drawing/2010/main" type="tx" showMasterSp="1" showMasterPhAnim="1">
+<p:sldLayout xmlns:a="http://schemas.openxmlformats.org/drawingml/2006/main" xmlns:r="http://schemas.openxmlformats.org/officeDocument/2006/relationships" xmlns:p="http://schemas.openxmlformats.org/presentationml/2006/main" type="tx">
   <p:cSld name="仅标题">
     <p:spTree>
       <p:nvGrpSpPr>
@@ -1525,7 +1575,9 @@
       <p:sp>
         <p:nvSpPr>
           <p:cNvPr id="57" name="标题文本"/>
-          <p:cNvSpPr txBox="1"/>
+          <p:cNvSpPr txBox="1">
+            <a:spLocks noGrp="1"/>
+          </p:cNvSpPr>
           <p:nvPr>
             <p:ph type="title"/>
           </p:nvPr>
@@ -1539,7 +1591,6 @@
           <a:bodyPr/>
           <a:lstStyle/>
           <a:p>
-            <a:pPr/>
             <a:r>
               <a:t>标题文本</a:t>
             </a:r>
@@ -1549,7 +1600,9 @@
       <p:sp>
         <p:nvSpPr>
           <p:cNvPr id="58" name="幻灯片编号"/>
-          <p:cNvSpPr txBox="1"/>
+          <p:cNvSpPr txBox="1">
+            <a:spLocks noGrp="1"/>
+          </p:cNvSpPr>
           <p:nvPr>
             <p:ph type="sldNum" sz="quarter" idx="2"/>
           </p:nvPr>
@@ -1563,8 +1616,10 @@
           <a:bodyPr/>
           <a:lstStyle/>
           <a:p>
-            <a:pPr/>
-            <a:fld id="{86CB4B4D-7CA3-9044-876B-883B54F8677D}" type="slidenum"/>
+            <a:fld id="{86CB4B4D-7CA3-9044-876B-883B54F8677D}" type="slidenum">
+              <a:t>‹#›</a:t>
+            </a:fld>
+            <a:endParaRPr/>
           </a:p>
         </p:txBody>
       </p:sp>
@@ -1573,12 +1628,12 @@
   <p:clrMapOvr>
     <a:masterClrMapping/>
   </p:clrMapOvr>
-  <p:transition xmlns:p14="http://schemas.microsoft.com/office/powerpoint/2010/main" spd="med" advClick="1"/>
+  <p:transition spd="med"/>
 </p:sldLayout>
 </file>
 
 <file path=ppt/slideLayouts/slideLayout7.xml><?xml version="1.0" encoding="utf-8"?>
-<p:sldLayout xmlns:a="http://schemas.openxmlformats.org/drawingml/2006/main" xmlns:r="http://schemas.openxmlformats.org/officeDocument/2006/relationships" xmlns:p="http://schemas.openxmlformats.org/presentationml/2006/main" xmlns:m="http://schemas.openxmlformats.org/officeDocument/2006/math" xmlns:a14="http://schemas.microsoft.com/office/drawing/2010/main" type="tx" showMasterSp="1" showMasterPhAnim="1">
+<p:sldLayout xmlns:a="http://schemas.openxmlformats.org/drawingml/2006/main" xmlns:r="http://schemas.openxmlformats.org/officeDocument/2006/relationships" xmlns:p="http://schemas.openxmlformats.org/presentationml/2006/main" type="tx">
   <p:cSld name="空白">
     <p:spTree>
       <p:nvGrpSpPr>
@@ -1597,7 +1652,9 @@
       <p:sp>
         <p:nvSpPr>
           <p:cNvPr id="65" name="幻灯片编号"/>
-          <p:cNvSpPr txBox="1"/>
+          <p:cNvSpPr txBox="1">
+            <a:spLocks noGrp="1"/>
+          </p:cNvSpPr>
           <p:nvPr>
             <p:ph type="sldNum" sz="quarter" idx="2"/>
           </p:nvPr>
@@ -1611,8 +1668,10 @@
           <a:bodyPr/>
           <a:lstStyle/>
           <a:p>
-            <a:pPr/>
-            <a:fld id="{86CB4B4D-7CA3-9044-876B-883B54F8677D}" type="slidenum"/>
+            <a:fld id="{86CB4B4D-7CA3-9044-876B-883B54F8677D}" type="slidenum">
+              <a:t>‹#›</a:t>
+            </a:fld>
+            <a:endParaRPr/>
           </a:p>
         </p:txBody>
       </p:sp>
@@ -1621,12 +1680,12 @@
   <p:clrMapOvr>
     <a:masterClrMapping/>
   </p:clrMapOvr>
-  <p:transition xmlns:p14="http://schemas.microsoft.com/office/powerpoint/2010/main" spd="med" advClick="1"/>
+  <p:transition spd="med"/>
 </p:sldLayout>
 </file>
 
 <file path=ppt/slideLayouts/slideLayout8.xml><?xml version="1.0" encoding="utf-8"?>
-<p:sldLayout xmlns:a="http://schemas.openxmlformats.org/drawingml/2006/main" xmlns:r="http://schemas.openxmlformats.org/officeDocument/2006/relationships" xmlns:p="http://schemas.openxmlformats.org/presentationml/2006/main" xmlns:m="http://schemas.openxmlformats.org/officeDocument/2006/math" xmlns:a14="http://schemas.microsoft.com/office/drawing/2010/main" type="tx" showMasterSp="1" showMasterPhAnim="1">
+<p:sldLayout xmlns:a="http://schemas.openxmlformats.org/drawingml/2006/main" xmlns:r="http://schemas.openxmlformats.org/officeDocument/2006/relationships" xmlns:p="http://schemas.openxmlformats.org/presentationml/2006/main" type="tx">
   <p:cSld name="内容与标题">
     <p:spTree>
       <p:nvGrpSpPr>
@@ -1645,7 +1704,9 @@
       <p:sp>
         <p:nvSpPr>
           <p:cNvPr id="72" name="标题文本"/>
-          <p:cNvSpPr txBox="1"/>
+          <p:cNvSpPr txBox="1">
+            <a:spLocks noGrp="1"/>
+          </p:cNvSpPr>
           <p:nvPr>
             <p:ph type="title"/>
           </p:nvPr>
@@ -1667,7 +1728,6 @@
             </a:lvl1pPr>
           </a:lstStyle>
           <a:p>
-            <a:pPr/>
             <a:r>
               <a:t>标题文本</a:t>
             </a:r>
@@ -1677,7 +1737,9 @@
       <p:sp>
         <p:nvSpPr>
           <p:cNvPr id="73" name="正文级别 1…"/>
-          <p:cNvSpPr txBox="1"/>
+          <p:cNvSpPr txBox="1">
+            <a:spLocks noGrp="1"/>
+          </p:cNvSpPr>
           <p:nvPr>
             <p:ph type="body" sz="half" idx="1"/>
           </p:nvPr>
@@ -1711,7 +1773,6 @@
             </a:lvl5pPr>
           </a:lstStyle>
           <a:p>
-            <a:pPr/>
             <a:r>
               <a:t>正文级别 1</a:t>
             </a:r>
@@ -1745,7 +1806,9 @@
       <p:sp>
         <p:nvSpPr>
           <p:cNvPr id="74" name="文本占位符 3"/>
-          <p:cNvSpPr/>
+          <p:cNvSpPr>
+            <a:spLocks noGrp="1"/>
+          </p:cNvSpPr>
           <p:nvPr>
             <p:ph type="body" sz="quarter" idx="13"/>
           </p:nvPr>
@@ -1769,13 +1832,16 @@
               <a:buNone/>
               <a:defRPr sz="1600"/>
             </a:pPr>
+            <a:endParaRPr/>
           </a:p>
         </p:txBody>
       </p:sp>
       <p:sp>
         <p:nvSpPr>
           <p:cNvPr id="75" name="幻灯片编号"/>
-          <p:cNvSpPr txBox="1"/>
+          <p:cNvSpPr txBox="1">
+            <a:spLocks noGrp="1"/>
+          </p:cNvSpPr>
           <p:nvPr>
             <p:ph type="sldNum" sz="quarter" idx="2"/>
           </p:nvPr>
@@ -1789,8 +1855,10 @@
           <a:bodyPr/>
           <a:lstStyle/>
           <a:p>
-            <a:pPr/>
-            <a:fld id="{86CB4B4D-7CA3-9044-876B-883B54F8677D}" type="slidenum"/>
+            <a:fld id="{86CB4B4D-7CA3-9044-876B-883B54F8677D}" type="slidenum">
+              <a:t>‹#›</a:t>
+            </a:fld>
+            <a:endParaRPr/>
           </a:p>
         </p:txBody>
       </p:sp>
@@ -1799,12 +1867,12 @@
   <p:clrMapOvr>
     <a:masterClrMapping/>
   </p:clrMapOvr>
-  <p:transition xmlns:p14="http://schemas.microsoft.com/office/powerpoint/2010/main" spd="med" advClick="1"/>
+  <p:transition spd="med"/>
 </p:sldLayout>
 </file>
 
 <file path=ppt/slideLayouts/slideLayout9.xml><?xml version="1.0" encoding="utf-8"?>
-<p:sldLayout xmlns:a="http://schemas.openxmlformats.org/drawingml/2006/main" xmlns:r="http://schemas.openxmlformats.org/officeDocument/2006/relationships" xmlns:p="http://schemas.openxmlformats.org/presentationml/2006/main" xmlns:m="http://schemas.openxmlformats.org/officeDocument/2006/math" xmlns:a14="http://schemas.microsoft.com/office/drawing/2010/main" type="tx" showMasterSp="1" showMasterPhAnim="1">
+<p:sldLayout xmlns:a="http://schemas.openxmlformats.org/drawingml/2006/main" xmlns:r="http://schemas.openxmlformats.org/officeDocument/2006/relationships" xmlns:p="http://schemas.openxmlformats.org/presentationml/2006/main" type="tx">
   <p:cSld name="图片与标题">
     <p:spTree>
       <p:nvGrpSpPr>
@@ -1823,7 +1891,9 @@
       <p:sp>
         <p:nvSpPr>
           <p:cNvPr id="82" name="标题文本"/>
-          <p:cNvSpPr txBox="1"/>
+          <p:cNvSpPr txBox="1">
+            <a:spLocks noGrp="1"/>
+          </p:cNvSpPr>
           <p:nvPr>
             <p:ph type="title"/>
           </p:nvPr>
@@ -1845,7 +1915,6 @@
             </a:lvl1pPr>
           </a:lstStyle>
           <a:p>
-            <a:pPr/>
             <a:r>
               <a:t>标题文本</a:t>
             </a:r>
@@ -1855,7 +1924,9 @@
       <p:sp>
         <p:nvSpPr>
           <p:cNvPr id="83" name="图片占位符 2"/>
-          <p:cNvSpPr/>
+          <p:cNvSpPr>
+            <a:spLocks noGrp="1"/>
+          </p:cNvSpPr>
           <p:nvPr>
             <p:ph type="pic" sz="half" idx="13"/>
           </p:nvPr>
@@ -1875,14 +1946,16 @@
           </a:bodyPr>
           <a:lstStyle/>
           <a:p>
-            <a:pPr/>
+            <a:endParaRPr/>
           </a:p>
         </p:txBody>
       </p:sp>
       <p:sp>
         <p:nvSpPr>
           <p:cNvPr id="84" name="正文级别 1…"/>
-          <p:cNvSpPr txBox="1"/>
+          <p:cNvSpPr txBox="1">
+            <a:spLocks noGrp="1"/>
+          </p:cNvSpPr>
           <p:nvPr>
             <p:ph type="body" sz="quarter" idx="1"/>
           </p:nvPr>
@@ -1931,7 +2004,6 @@
             </a:lvl5pPr>
           </a:lstStyle>
           <a:p>
-            <a:pPr/>
             <a:r>
               <a:t>正文级别 1</a:t>
             </a:r>
@@ -1965,7 +2037,9 @@
       <p:sp>
         <p:nvSpPr>
           <p:cNvPr id="85" name="幻灯片编号"/>
-          <p:cNvSpPr txBox="1"/>
+          <p:cNvSpPr txBox="1">
+            <a:spLocks noGrp="1"/>
+          </p:cNvSpPr>
           <p:nvPr>
             <p:ph type="sldNum" sz="quarter" idx="2"/>
           </p:nvPr>
@@ -1979,8 +2053,10 @@
           <a:bodyPr/>
           <a:lstStyle/>
           <a:p>
-            <a:pPr/>
-            <a:fld id="{86CB4B4D-7CA3-9044-876B-883B54F8677D}" type="slidenum"/>
+            <a:fld id="{86CB4B4D-7CA3-9044-876B-883B54F8677D}" type="slidenum">
+              <a:t>‹#›</a:t>
+            </a:fld>
+            <a:endParaRPr/>
           </a:p>
         </p:txBody>
       </p:sp>
@@ -1989,18 +2065,19 @@
   <p:clrMapOvr>
     <a:masterClrMapping/>
   </p:clrMapOvr>
-  <p:transition xmlns:p14="http://schemas.microsoft.com/office/powerpoint/2010/main" spd="med" advClick="1"/>
+  <p:transition spd="med"/>
 </p:sldLayout>
 </file>
 
 <file path=ppt/slideMasters/slideMaster1.xml><?xml version="1.0" encoding="utf-8"?>
-<p:sldMaster xmlns:a="http://schemas.openxmlformats.org/drawingml/2006/main" xmlns:r="http://schemas.openxmlformats.org/officeDocument/2006/relationships" xmlns:p="http://schemas.openxmlformats.org/presentationml/2006/main" xmlns:m="http://schemas.openxmlformats.org/officeDocument/2006/math" xmlns:a14="http://schemas.microsoft.com/office/drawing/2010/main">
+<p:sldMaster xmlns:a="http://schemas.openxmlformats.org/drawingml/2006/main" xmlns:r="http://schemas.openxmlformats.org/officeDocument/2006/relationships" xmlns:p="http://schemas.openxmlformats.org/presentationml/2006/main">
   <p:cSld>
     <p:bg>
       <p:bgPr>
         <a:solidFill>
           <a:srgbClr val="FFFFFF"/>
         </a:solidFill>
+        <a:effectLst/>
       </p:bgPr>
     </p:bg>
     <p:spTree>
@@ -2020,7 +2097,9 @@
       <p:sp>
         <p:nvSpPr>
           <p:cNvPr id="2" name="标题文本"/>
-          <p:cNvSpPr txBox="1"/>
+          <p:cNvSpPr txBox="1">
+            <a:spLocks noGrp="1"/>
+          </p:cNvSpPr>
           <p:nvPr>
             <p:ph type="title"/>
           </p:nvPr>
@@ -2038,17 +2117,16 @@
           </a:ln>
           <a:extLst>
             <a:ext uri="{C572A759-6A51-4108-AA02-DFA0A04FC94B}">
-              <ma14:wrappingTextBoxFlag xmlns:ma14="http://schemas.microsoft.com/office/mac/drawingml/2011/main" val="1"/>
+              <ma14:wrappingTextBoxFlag xmlns:ma14="http://schemas.microsoft.com/office/mac/drawingml/2011/main" xmlns:a14="http://schemas.microsoft.com/office/drawing/2010/main" xmlns:m="http://schemas.openxmlformats.org/officeDocument/2006/math" xmlns="" val="1"/>
             </a:ext>
           </a:extLst>
         </p:spPr>
         <p:txBody>
           <a:bodyPr lIns="45719" rIns="45719" anchor="ctr">
-            <a:normAutofit fontScale="100000" lnSpcReduction="0"/>
+            <a:normAutofit/>
           </a:bodyPr>
           <a:lstStyle/>
           <a:p>
-            <a:pPr/>
             <a:r>
               <a:t>标题文本</a:t>
             </a:r>
@@ -2058,7 +2136,9 @@
       <p:sp>
         <p:nvSpPr>
           <p:cNvPr id="3" name="正文级别 1…"/>
-          <p:cNvSpPr txBox="1"/>
+          <p:cNvSpPr txBox="1">
+            <a:spLocks noGrp="1"/>
+          </p:cNvSpPr>
           <p:nvPr>
             <p:ph type="body" idx="1"/>
           </p:nvPr>
@@ -2076,17 +2156,16 @@
           </a:ln>
           <a:extLst>
             <a:ext uri="{C572A759-6A51-4108-AA02-DFA0A04FC94B}">
-              <ma14:wrappingTextBoxFlag xmlns:ma14="http://schemas.microsoft.com/office/mac/drawingml/2011/main" val="1"/>
+              <ma14:wrappingTextBoxFlag xmlns:ma14="http://schemas.microsoft.com/office/mac/drawingml/2011/main" xmlns:a14="http://schemas.microsoft.com/office/drawing/2010/main" xmlns:m="http://schemas.openxmlformats.org/officeDocument/2006/math" xmlns="" val="1"/>
             </a:ext>
           </a:extLst>
         </p:spPr>
         <p:txBody>
           <a:bodyPr lIns="45719" rIns="45719">
-            <a:normAutofit fontScale="100000" lnSpcReduction="0"/>
+            <a:normAutofit/>
           </a:bodyPr>
           <a:lstStyle/>
           <a:p>
-            <a:pPr/>
             <a:r>
               <a:t>正文级别 1</a:t>
             </a:r>
@@ -2120,7 +2199,9 @@
       <p:sp>
         <p:nvSpPr>
           <p:cNvPr id="4" name="幻灯片编号"/>
-          <p:cNvSpPr txBox="1"/>
+          <p:cNvSpPr txBox="1">
+            <a:spLocks noGrp="1"/>
+          </p:cNvSpPr>
           <p:nvPr>
             <p:ph type="sldNum" sz="quarter" idx="2"/>
           </p:nvPr>
@@ -2151,8 +2232,10 @@
             </a:lvl1pPr>
           </a:lstStyle>
           <a:p>
-            <a:pPr/>
-            <a:fld id="{86CB4B4D-7CA3-9044-876B-883B54F8677D}" type="slidenum"/>
+            <a:fld id="{86CB4B4D-7CA3-9044-876B-883B54F8677D}" type="slidenum">
+              <a:t>‹#›</a:t>
+            </a:fld>
+            <a:endParaRPr/>
           </a:p>
         </p:txBody>
       </p:sp>
@@ -2160,19 +2243,19 @@
   </p:cSld>
   <p:clrMap bg1="lt1" tx1="dk1" bg2="lt2" tx2="dk2" accent1="accent1" accent2="accent2" accent3="accent3" accent4="accent4" accent5="accent5" accent6="accent6" hlink="hlink" folHlink="folHlink"/>
   <p:sldLayoutIdLst>
-    <p:sldLayoutId id="2147483649" r:id="rId2"/>
-    <p:sldLayoutId id="2147483650" r:id="rId3"/>
-    <p:sldLayoutId id="2147483651" r:id="rId4"/>
-    <p:sldLayoutId id="2147483652" r:id="rId5"/>
-    <p:sldLayoutId id="2147483653" r:id="rId6"/>
-    <p:sldLayoutId id="2147483654" r:id="rId7"/>
-    <p:sldLayoutId id="2147483655" r:id="rId8"/>
-    <p:sldLayoutId id="2147483656" r:id="rId9"/>
-    <p:sldLayoutId id="2147483657" r:id="rId10"/>
-    <p:sldLayoutId id="2147483658" r:id="rId11"/>
-    <p:sldLayoutId id="2147483659" r:id="rId12"/>
+    <p:sldLayoutId id="2147483649" r:id="rId1"/>
+    <p:sldLayoutId id="2147483650" r:id="rId2"/>
+    <p:sldLayoutId id="2147483651" r:id="rId3"/>
+    <p:sldLayoutId id="2147483652" r:id="rId4"/>
+    <p:sldLayoutId id="2147483653" r:id="rId5"/>
+    <p:sldLayoutId id="2147483654" r:id="rId6"/>
+    <p:sldLayoutId id="2147483655" r:id="rId7"/>
+    <p:sldLayoutId id="2147483656" r:id="rId8"/>
+    <p:sldLayoutId id="2147483657" r:id="rId9"/>
+    <p:sldLayoutId id="2147483658" r:id="rId10"/>
+    <p:sldLayoutId id="2147483659" r:id="rId11"/>
   </p:sldLayoutIdLst>
-  <p:transition xmlns:p14="http://schemas.microsoft.com/office/powerpoint/2010/main" spd="med" advClick="1"/>
+  <p:transition spd="med"/>
   <p:txStyles>
     <p:titleStyle>
       <a:lvl1pPr marL="0" marR="0" indent="0" algn="l" defTabSz="914400" rtl="0" latinLnBrk="0">
@@ -2190,7 +2273,7 @@
         <a:buFontTx/>
         <a:buNone/>
         <a:tabLst/>
-        <a:defRPr b="0" baseline="0" cap="none" i="0" spc="0" strike="noStrike" sz="4400" u="none">
+        <a:defRPr sz="4400" b="0" i="0" u="none" strike="noStrike" cap="none" spc="0" baseline="0">
           <a:ln>
             <a:noFill/>
           </a:ln>
@@ -2219,7 +2302,7 @@
         <a:buFontTx/>
         <a:buNone/>
         <a:tabLst/>
-        <a:defRPr b="0" baseline="0" cap="none" i="0" spc="0" strike="noStrike" sz="4400" u="none">
+        <a:defRPr sz="4400" b="0" i="0" u="none" strike="noStrike" cap="none" spc="0" baseline="0">
           <a:ln>
             <a:noFill/>
           </a:ln>
@@ -2248,7 +2331,7 @@
         <a:buFontTx/>
         <a:buNone/>
         <a:tabLst/>
-        <a:defRPr b="0" baseline="0" cap="none" i="0" spc="0" strike="noStrike" sz="4400" u="none">
+        <a:defRPr sz="4400" b="0" i="0" u="none" strike="noStrike" cap="none" spc="0" baseline="0">
           <a:ln>
             <a:noFill/>
           </a:ln>
@@ -2277,7 +2360,7 @@
         <a:buFontTx/>
         <a:buNone/>
         <a:tabLst/>
-        <a:defRPr b="0" baseline="0" cap="none" i="0" spc="0" strike="noStrike" sz="4400" u="none">
+        <a:defRPr sz="4400" b="0" i="0" u="none" strike="noStrike" cap="none" spc="0" baseline="0">
           <a:ln>
             <a:noFill/>
           </a:ln>
@@ -2306,7 +2389,7 @@
         <a:buFontTx/>
         <a:buNone/>
         <a:tabLst/>
-        <a:defRPr b="0" baseline="0" cap="none" i="0" spc="0" strike="noStrike" sz="4400" u="none">
+        <a:defRPr sz="4400" b="0" i="0" u="none" strike="noStrike" cap="none" spc="0" baseline="0">
           <a:ln>
             <a:noFill/>
           </a:ln>
@@ -2335,7 +2418,7 @@
         <a:buFontTx/>
         <a:buNone/>
         <a:tabLst/>
-        <a:defRPr b="0" baseline="0" cap="none" i="0" spc="0" strike="noStrike" sz="4400" u="none">
+        <a:defRPr sz="4400" b="0" i="0" u="none" strike="noStrike" cap="none" spc="0" baseline="0">
           <a:ln>
             <a:noFill/>
           </a:ln>
@@ -2364,7 +2447,7 @@
         <a:buFontTx/>
         <a:buNone/>
         <a:tabLst/>
-        <a:defRPr b="0" baseline="0" cap="none" i="0" spc="0" strike="noStrike" sz="4400" u="none">
+        <a:defRPr sz="4400" b="0" i="0" u="none" strike="noStrike" cap="none" spc="0" baseline="0">
           <a:ln>
             <a:noFill/>
           </a:ln>
@@ -2393,7 +2476,7 @@
         <a:buFontTx/>
         <a:buNone/>
         <a:tabLst/>
-        <a:defRPr b="0" baseline="0" cap="none" i="0" spc="0" strike="noStrike" sz="4400" u="none">
+        <a:defRPr sz="4400" b="0" i="0" u="none" strike="noStrike" cap="none" spc="0" baseline="0">
           <a:ln>
             <a:noFill/>
           </a:ln>
@@ -2422,7 +2505,7 @@
         <a:buFontTx/>
         <a:buNone/>
         <a:tabLst/>
-        <a:defRPr b="0" baseline="0" cap="none" i="0" spc="0" strike="noStrike" sz="4400" u="none">
+        <a:defRPr sz="4400" b="0" i="0" u="none" strike="noStrike" cap="none" spc="0" baseline="0">
           <a:ln>
             <a:noFill/>
           </a:ln>
@@ -2453,7 +2536,7 @@
         <a:buFont typeface="Arial"/>
         <a:buChar char="•"/>
         <a:tabLst/>
-        <a:defRPr b="0" baseline="0" cap="none" i="0" spc="0" strike="noStrike" sz="2800" u="none">
+        <a:defRPr sz="2800" b="0" i="0" u="none" strike="noStrike" cap="none" spc="0" baseline="0">
           <a:ln>
             <a:noFill/>
           </a:ln>
@@ -2482,7 +2565,7 @@
         <a:buFont typeface="Arial"/>
         <a:buChar char="•"/>
         <a:tabLst/>
-        <a:defRPr b="0" baseline="0" cap="none" i="0" spc="0" strike="noStrike" sz="2800" u="none">
+        <a:defRPr sz="2800" b="0" i="0" u="none" strike="noStrike" cap="none" spc="0" baseline="0">
           <a:ln>
             <a:noFill/>
           </a:ln>
@@ -2511,7 +2594,7 @@
         <a:buFont typeface="Arial"/>
         <a:buChar char="•"/>
         <a:tabLst/>
-        <a:defRPr b="0" baseline="0" cap="none" i="0" spc="0" strike="noStrike" sz="2800" u="none">
+        <a:defRPr sz="2800" b="0" i="0" u="none" strike="noStrike" cap="none" spc="0" baseline="0">
           <a:ln>
             <a:noFill/>
           </a:ln>
@@ -2540,7 +2623,7 @@
         <a:buFont typeface="Arial"/>
         <a:buChar char="•"/>
         <a:tabLst/>
-        <a:defRPr b="0" baseline="0" cap="none" i="0" spc="0" strike="noStrike" sz="2800" u="none">
+        <a:defRPr sz="2800" b="0" i="0" u="none" strike="noStrike" cap="none" spc="0" baseline="0">
           <a:ln>
             <a:noFill/>
           </a:ln>
@@ -2569,7 +2652,7 @@
         <a:buFont typeface="Arial"/>
         <a:buChar char="•"/>
         <a:tabLst/>
-        <a:defRPr b="0" baseline="0" cap="none" i="0" spc="0" strike="noStrike" sz="2800" u="none">
+        <a:defRPr sz="2800" b="0" i="0" u="none" strike="noStrike" cap="none" spc="0" baseline="0">
           <a:ln>
             <a:noFill/>
           </a:ln>
@@ -2598,7 +2681,7 @@
         <a:buFont typeface="Arial"/>
         <a:buChar char="•"/>
         <a:tabLst/>
-        <a:defRPr b="0" baseline="0" cap="none" i="0" spc="0" strike="noStrike" sz="2800" u="none">
+        <a:defRPr sz="2800" b="0" i="0" u="none" strike="noStrike" cap="none" spc="0" baseline="0">
           <a:ln>
             <a:noFill/>
           </a:ln>
@@ -2627,7 +2710,7 @@
         <a:buFont typeface="Arial"/>
         <a:buChar char="•"/>
         <a:tabLst/>
-        <a:defRPr b="0" baseline="0" cap="none" i="0" spc="0" strike="noStrike" sz="2800" u="none">
+        <a:defRPr sz="2800" b="0" i="0" u="none" strike="noStrike" cap="none" spc="0" baseline="0">
           <a:ln>
             <a:noFill/>
           </a:ln>
@@ -2656,7 +2739,7 @@
         <a:buFont typeface="Arial"/>
         <a:buChar char="•"/>
         <a:tabLst/>
-        <a:defRPr b="0" baseline="0" cap="none" i="0" spc="0" strike="noStrike" sz="2800" u="none">
+        <a:defRPr sz="2800" b="0" i="0" u="none" strike="noStrike" cap="none" spc="0" baseline="0">
           <a:ln>
             <a:noFill/>
           </a:ln>
@@ -2685,7 +2768,7 @@
         <a:buFont typeface="Arial"/>
         <a:buChar char="•"/>
         <a:tabLst/>
-        <a:defRPr b="0" baseline="0" cap="none" i="0" spc="0" strike="noStrike" sz="2800" u="none">
+        <a:defRPr sz="2800" b="0" i="0" u="none" strike="noStrike" cap="none" spc="0" baseline="0">
           <a:ln>
             <a:noFill/>
           </a:ln>
@@ -2716,7 +2799,7 @@
         <a:buFontTx/>
         <a:buNone/>
         <a:tabLst/>
-        <a:defRPr b="0" baseline="0" cap="none" i="0" spc="0" strike="noStrike" sz="1200" u="none">
+        <a:defRPr sz="1200" b="0" i="0" u="none" strike="noStrike" cap="none" spc="0" baseline="0">
           <a:ln>
             <a:noFill/>
           </a:ln>
@@ -2745,7 +2828,7 @@
         <a:buFontTx/>
         <a:buNone/>
         <a:tabLst/>
-        <a:defRPr b="0" baseline="0" cap="none" i="0" spc="0" strike="noStrike" sz="1200" u="none">
+        <a:defRPr sz="1200" b="0" i="0" u="none" strike="noStrike" cap="none" spc="0" baseline="0">
           <a:ln>
             <a:noFill/>
           </a:ln>
@@ -2774,7 +2857,7 @@
         <a:buFontTx/>
         <a:buNone/>
         <a:tabLst/>
-        <a:defRPr b="0" baseline="0" cap="none" i="0" spc="0" strike="noStrike" sz="1200" u="none">
+        <a:defRPr sz="1200" b="0" i="0" u="none" strike="noStrike" cap="none" spc="0" baseline="0">
           <a:ln>
             <a:noFill/>
           </a:ln>
@@ -2803,7 +2886,7 @@
         <a:buFontTx/>
         <a:buNone/>
         <a:tabLst/>
-        <a:defRPr b="0" baseline="0" cap="none" i="0" spc="0" strike="noStrike" sz="1200" u="none">
+        <a:defRPr sz="1200" b="0" i="0" u="none" strike="noStrike" cap="none" spc="0" baseline="0">
           <a:ln>
             <a:noFill/>
           </a:ln>
@@ -2832,7 +2915,7 @@
         <a:buFontTx/>
         <a:buNone/>
         <a:tabLst/>
-        <a:defRPr b="0" baseline="0" cap="none" i="0" spc="0" strike="noStrike" sz="1200" u="none">
+        <a:defRPr sz="1200" b="0" i="0" u="none" strike="noStrike" cap="none" spc="0" baseline="0">
           <a:ln>
             <a:noFill/>
           </a:ln>
@@ -2861,7 +2944,7 @@
         <a:buFontTx/>
         <a:buNone/>
         <a:tabLst/>
-        <a:defRPr b="0" baseline="0" cap="none" i="0" spc="0" strike="noStrike" sz="1200" u="none">
+        <a:defRPr sz="1200" b="0" i="0" u="none" strike="noStrike" cap="none" spc="0" baseline="0">
           <a:ln>
             <a:noFill/>
           </a:ln>
@@ -2890,7 +2973,7 @@
         <a:buFontTx/>
         <a:buNone/>
         <a:tabLst/>
-        <a:defRPr b="0" baseline="0" cap="none" i="0" spc="0" strike="noStrike" sz="1200" u="none">
+        <a:defRPr sz="1200" b="0" i="0" u="none" strike="noStrike" cap="none" spc="0" baseline="0">
           <a:ln>
             <a:noFill/>
           </a:ln>
@@ -2919,7 +3002,7 @@
         <a:buFontTx/>
         <a:buNone/>
         <a:tabLst/>
-        <a:defRPr b="0" baseline="0" cap="none" i="0" spc="0" strike="noStrike" sz="1200" u="none">
+        <a:defRPr sz="1200" b="0" i="0" u="none" strike="noStrike" cap="none" spc="0" baseline="0">
           <a:ln>
             <a:noFill/>
           </a:ln>
@@ -2948,7 +3031,7 @@
         <a:buFontTx/>
         <a:buNone/>
         <a:tabLst/>
-        <a:defRPr b="0" baseline="0" cap="none" i="0" spc="0" strike="noStrike" sz="1200" u="none">
+        <a:defRPr sz="1200" b="0" i="0" u="none" strike="noStrike" cap="none" spc="0" baseline="0">
           <a:ln>
             <a:noFill/>
           </a:ln>
@@ -2968,7 +3051,7 @@
 </file>
 
 <file path=ppt/slides/slide1.xml><?xml version="1.0" encoding="utf-8"?>
-<p:sld xmlns:a="http://schemas.openxmlformats.org/drawingml/2006/main" xmlns:r="http://schemas.openxmlformats.org/officeDocument/2006/relationships" xmlns:p="http://schemas.openxmlformats.org/presentationml/2006/main" xmlns:m="http://schemas.openxmlformats.org/officeDocument/2006/math" xmlns:a14="http://schemas.microsoft.com/office/drawing/2010/main" showMasterSp="1" showMasterPhAnim="1">
+<p:sld xmlns:a="http://schemas.openxmlformats.org/drawingml/2006/main" xmlns:r="http://schemas.openxmlformats.org/officeDocument/2006/relationships" xmlns:p="http://schemas.openxmlformats.org/presentationml/2006/main">
   <p:cSld>
     <p:spTree>
       <p:nvGrpSpPr>
@@ -3148,7 +3231,7 @@
           </a:ln>
           <a:extLst>
             <a:ext uri="{C572A759-6A51-4108-AA02-DFA0A04FC94B}">
-              <ma14:wrappingTextBoxFlag xmlns:ma14="http://schemas.microsoft.com/office/mac/drawingml/2011/main" val="1"/>
+              <ma14:wrappingTextBoxFlag xmlns:ma14="http://schemas.microsoft.com/office/mac/drawingml/2011/main" xmlns:a14="http://schemas.microsoft.com/office/drawing/2010/main" xmlns:m="http://schemas.openxmlformats.org/officeDocument/2006/math" xmlns="" val="1"/>
             </a:ext>
           </a:extLst>
         </p:spPr>
@@ -3170,10 +3253,7 @@
               </a:defRPr>
             </a:pPr>
             <a:r>
-              <a:t>Scratch</a:t>
-            </a:r>
-            <a:r>
-              <a:t>少儿编程入门讲座</a:t>
+              <a:t>Scratch少儿编程入门讲座</a:t>
             </a:r>
           </a:p>
         </p:txBody>
@@ -3197,7 +3277,7 @@
           </a:ln>
           <a:extLst>
             <a:ext uri="{C572A759-6A51-4108-AA02-DFA0A04FC94B}">
-              <ma14:wrappingTextBoxFlag xmlns:ma14="http://schemas.microsoft.com/office/mac/drawingml/2011/main" val="1"/>
+              <ma14:wrappingTextBoxFlag xmlns:ma14="http://schemas.microsoft.com/office/mac/drawingml/2011/main" xmlns:a14="http://schemas.microsoft.com/office/drawing/2010/main" xmlns:m="http://schemas.openxmlformats.org/officeDocument/2006/math" xmlns="" val="1"/>
             </a:ext>
           </a:extLst>
         </p:spPr>
@@ -3249,7 +3329,7 @@
           </a:ln>
           <a:extLst>
             <a:ext uri="{C572A759-6A51-4108-AA02-DFA0A04FC94B}">
-              <ma14:wrappingTextBoxFlag xmlns:ma14="http://schemas.microsoft.com/office/mac/drawingml/2011/main" val="1"/>
+              <ma14:wrappingTextBoxFlag xmlns:ma14="http://schemas.microsoft.com/office/mac/drawingml/2011/main" xmlns:a14="http://schemas.microsoft.com/office/drawing/2010/main" xmlns:m="http://schemas.openxmlformats.org/officeDocument/2006/math" xmlns="" val="1"/>
             </a:ext>
           </a:extLst>
         </p:spPr>
@@ -3271,7 +3351,6 @@
             </a:lvl1pPr>
           </a:lstStyle>
           <a:p>
-            <a:pPr/>
             <a:r>
               <a:t>KG</a:t>
             </a:r>
@@ -3312,12 +3391,12 @@
   <p:clrMapOvr>
     <a:masterClrMapping/>
   </p:clrMapOvr>
-  <p:transition xmlns:p14="http://schemas.microsoft.com/office/powerpoint/2010/main" spd="med" advClick="1"/>
+  <p:transition spd="med"/>
 </p:sld>
 </file>
 
 <file path=ppt/slides/slide10.xml><?xml version="1.0" encoding="utf-8"?>
-<p:sld xmlns:a="http://schemas.openxmlformats.org/drawingml/2006/main" xmlns:r="http://schemas.openxmlformats.org/officeDocument/2006/relationships" xmlns:p="http://schemas.openxmlformats.org/presentationml/2006/main" xmlns:m="http://schemas.openxmlformats.org/officeDocument/2006/math" xmlns:a14="http://schemas.microsoft.com/office/drawing/2010/main" showMasterSp="1" showMasterPhAnim="1">
+<p:sld xmlns:a="http://schemas.openxmlformats.org/drawingml/2006/main" xmlns:r="http://schemas.openxmlformats.org/officeDocument/2006/relationships" xmlns:p="http://schemas.openxmlformats.org/presentationml/2006/main">
   <p:cSld>
     <p:spTree>
       <p:nvGrpSpPr>
@@ -3336,7 +3415,9 @@
       <p:sp>
         <p:nvSpPr>
           <p:cNvPr id="165" name="指令块分类 控制"/>
-          <p:cNvSpPr txBox="1"/>
+          <p:cNvSpPr txBox="1">
+            <a:spLocks noGrp="1"/>
+          </p:cNvSpPr>
           <p:nvPr>
             <p:ph type="title"/>
           </p:nvPr>
@@ -3355,7 +3436,7 @@
           <a:lstStyle/>
           <a:p>
             <a:pPr>
-              <a:defRPr b="1" sz="3600">
+              <a:defRPr sz="3600" b="1">
                 <a:solidFill>
                   <a:srgbClr val="0096FF"/>
                 </a:solidFill>
@@ -3383,7 +3464,7 @@
         <p:nvPicPr>
           <p:cNvPr id="166" name="control.png" descr="control.png"/>
           <p:cNvPicPr>
-            <a:picLocks noChangeAspect="1"/>
+            <a:picLocks noGrp="1" noChangeAspect="1"/>
           </p:cNvPicPr>
           <p:nvPr>
             <p:ph type="pic" idx="13"/>
@@ -3393,7 +3474,7 @@
           <a:blip r:embed="rId2">
             <a:extLst/>
           </a:blip>
-          <a:srcRect l="0" t="10519" r="0" b="10519"/>
+          <a:srcRect t="10519" b="10519"/>
           <a:stretch>
             <a:fillRect/>
           </a:stretch>
@@ -3411,7 +3492,9 @@
       <p:sp>
         <p:nvSpPr>
           <p:cNvPr id="167" name="代码中的声音板块包含了角色的控制的计算机逻辑，例如IF-ELSE(如果-那么), LOOP(循环)。"/>
-          <p:cNvSpPr txBox="1"/>
+          <p:cNvSpPr txBox="1">
+            <a:spLocks noGrp="1"/>
+          </p:cNvSpPr>
           <p:nvPr>
             <p:ph type="body" sz="half" idx="1"/>
           </p:nvPr>
@@ -3456,6 +3539,7 @@
                 <a:sym typeface="YuppySC-Regular"/>
               </a:defRPr>
             </a:pPr>
+            <a:endParaRPr/>
           </a:p>
         </p:txBody>
       </p:sp>
@@ -3493,12 +3577,12 @@
   <p:clrMapOvr>
     <a:masterClrMapping/>
   </p:clrMapOvr>
-  <p:transition xmlns:p14="http://schemas.microsoft.com/office/powerpoint/2010/main" spd="med" advClick="1"/>
+  <p:transition spd="med"/>
 </p:sld>
 </file>
 
 <file path=ppt/slides/slide11.xml><?xml version="1.0" encoding="utf-8"?>
-<p:sld xmlns:a="http://schemas.openxmlformats.org/drawingml/2006/main" xmlns:r="http://schemas.openxmlformats.org/officeDocument/2006/relationships" xmlns:p="http://schemas.openxmlformats.org/presentationml/2006/main" xmlns:m="http://schemas.openxmlformats.org/officeDocument/2006/math" xmlns:a14="http://schemas.microsoft.com/office/drawing/2010/main" showMasterSp="1" showMasterPhAnim="1">
+<p:sld xmlns:a="http://schemas.openxmlformats.org/drawingml/2006/main" xmlns:r="http://schemas.openxmlformats.org/officeDocument/2006/relationships" xmlns:p="http://schemas.openxmlformats.org/presentationml/2006/main">
   <p:cSld>
     <p:spTree>
       <p:nvGrpSpPr>
@@ -3517,7 +3601,9 @@
       <p:sp>
         <p:nvSpPr>
           <p:cNvPr id="170" name="指令块分类 侦测"/>
-          <p:cNvSpPr txBox="1"/>
+          <p:cNvSpPr txBox="1">
+            <a:spLocks noGrp="1"/>
+          </p:cNvSpPr>
           <p:nvPr>
             <p:ph type="title"/>
           </p:nvPr>
@@ -3536,7 +3622,7 @@
           <a:lstStyle/>
           <a:p>
             <a:pPr>
-              <a:defRPr b="1" sz="3600">
+              <a:defRPr sz="3600" b="1">
                 <a:solidFill>
                   <a:srgbClr val="0096FF"/>
                 </a:solidFill>
@@ -3560,7 +3646,7 @@
         <p:nvPicPr>
           <p:cNvPr id="171" name="detect2.png" descr="detect2.png"/>
           <p:cNvPicPr>
-            <a:picLocks noChangeAspect="1"/>
+            <a:picLocks noGrp="1" noChangeAspect="1"/>
           </p:cNvPicPr>
           <p:nvPr>
             <p:ph type="pic" idx="13"/>
@@ -3570,7 +3656,7 @@
           <a:blip r:embed="rId2">
             <a:extLst/>
           </a:blip>
-          <a:srcRect l="0" t="1520" r="0" b="1520"/>
+          <a:srcRect t="1520" b="1520"/>
           <a:stretch>
             <a:fillRect/>
           </a:stretch>
@@ -3588,7 +3674,9 @@
       <p:sp>
         <p:nvSpPr>
           <p:cNvPr id="172" name="代码中的侦测板块包含了角色与用户操作交互的一些侦测逻辑。"/>
-          <p:cNvSpPr txBox="1"/>
+          <p:cNvSpPr txBox="1">
+            <a:spLocks noGrp="1"/>
+          </p:cNvSpPr>
           <p:nvPr>
             <p:ph type="body" sz="half" idx="1"/>
           </p:nvPr>
@@ -3633,6 +3721,7 @@
                 <a:sym typeface="YuppySC-Regular"/>
               </a:defRPr>
             </a:pPr>
+            <a:endParaRPr/>
           </a:p>
         </p:txBody>
       </p:sp>
@@ -3699,12 +3788,12 @@
   <p:clrMapOvr>
     <a:masterClrMapping/>
   </p:clrMapOvr>
-  <p:transition xmlns:p14="http://schemas.microsoft.com/office/powerpoint/2010/main" spd="med" advClick="1"/>
+  <p:transition spd="med"/>
 </p:sld>
 </file>
 
 <file path=ppt/slides/slide12.xml><?xml version="1.0" encoding="utf-8"?>
-<p:sld xmlns:a="http://schemas.openxmlformats.org/drawingml/2006/main" xmlns:r="http://schemas.openxmlformats.org/officeDocument/2006/relationships" xmlns:p="http://schemas.openxmlformats.org/presentationml/2006/main" xmlns:m="http://schemas.openxmlformats.org/officeDocument/2006/math" xmlns:a14="http://schemas.microsoft.com/office/drawing/2010/main" showMasterSp="1" showMasterPhAnim="1">
+<p:sld xmlns:a="http://schemas.openxmlformats.org/drawingml/2006/main" xmlns:r="http://schemas.openxmlformats.org/officeDocument/2006/relationships" xmlns:p="http://schemas.openxmlformats.org/presentationml/2006/main">
   <p:cSld>
     <p:spTree>
       <p:nvGrpSpPr>
@@ -3723,7 +3812,9 @@
       <p:sp>
         <p:nvSpPr>
           <p:cNvPr id="176" name="指令块分类 运算"/>
-          <p:cNvSpPr txBox="1"/>
+          <p:cNvSpPr txBox="1">
+            <a:spLocks noGrp="1"/>
+          </p:cNvSpPr>
           <p:nvPr>
             <p:ph type="title"/>
           </p:nvPr>
@@ -3742,7 +3833,7 @@
           <a:lstStyle/>
           <a:p>
             <a:pPr>
-              <a:defRPr b="1" sz="3600">
+              <a:defRPr sz="3600" b="1">
                 <a:solidFill>
                   <a:srgbClr val="0096FF"/>
                 </a:solidFill>
@@ -3769,7 +3860,9 @@
       <p:sp>
         <p:nvSpPr>
           <p:cNvPr id="177" name="代码中的运算板块包含了数学和逻辑运算(加减乘除, 大于小于等于，与或)。"/>
-          <p:cNvSpPr txBox="1"/>
+          <p:cNvSpPr txBox="1">
+            <a:spLocks noGrp="1"/>
+          </p:cNvSpPr>
           <p:nvPr>
             <p:ph type="body" sz="half" idx="1"/>
           </p:nvPr>
@@ -3799,7 +3892,6 @@
             </a:lvl1pPr>
           </a:lstStyle>
           <a:p>
-            <a:pPr/>
             <a:r>
               <a:t>代码中的运算板块包含了数学和逻辑运算(加减乘除, 大于小于等于，与或)。</a:t>
             </a:r>
@@ -3927,12 +4019,12 @@
   <p:clrMapOvr>
     <a:masterClrMapping/>
   </p:clrMapOvr>
-  <p:transition xmlns:p14="http://schemas.microsoft.com/office/powerpoint/2010/main" spd="med" advClick="1"/>
+  <p:transition spd="med"/>
 </p:sld>
 </file>
 
 <file path=ppt/slides/slide13.xml><?xml version="1.0" encoding="utf-8"?>
-<p:sld xmlns:a="http://schemas.openxmlformats.org/drawingml/2006/main" xmlns:r="http://schemas.openxmlformats.org/officeDocument/2006/relationships" xmlns:p="http://schemas.openxmlformats.org/presentationml/2006/main" xmlns:m="http://schemas.openxmlformats.org/officeDocument/2006/math" xmlns:a14="http://schemas.microsoft.com/office/drawing/2010/main" showMasterSp="1" showMasterPhAnim="1">
+<p:sld xmlns:a="http://schemas.openxmlformats.org/drawingml/2006/main" xmlns:r="http://schemas.openxmlformats.org/officeDocument/2006/relationships" xmlns:p="http://schemas.openxmlformats.org/presentationml/2006/main">
   <p:cSld>
     <p:spTree>
       <p:nvGrpSpPr>
@@ -3951,7 +4043,9 @@
       <p:sp>
         <p:nvSpPr>
           <p:cNvPr id="183" name="指令块分类 变量"/>
-          <p:cNvSpPr txBox="1"/>
+          <p:cNvSpPr txBox="1">
+            <a:spLocks noGrp="1"/>
+          </p:cNvSpPr>
           <p:nvPr>
             <p:ph type="title"/>
           </p:nvPr>
@@ -3970,7 +4064,7 @@
           <a:lstStyle/>
           <a:p>
             <a:pPr>
-              <a:defRPr b="1" sz="3600">
+              <a:defRPr sz="3600" b="1">
                 <a:solidFill>
                   <a:srgbClr val="0096FF"/>
                 </a:solidFill>
@@ -3997,7 +4091,9 @@
       <p:sp>
         <p:nvSpPr>
           <p:cNvPr id="184" name="代码中的变量板块包含了程序中定义的变量。…"/>
-          <p:cNvSpPr txBox="1"/>
+          <p:cNvSpPr txBox="1">
+            <a:spLocks noGrp="1"/>
+          </p:cNvSpPr>
           <p:nvPr>
             <p:ph type="body" sz="half" idx="1"/>
           </p:nvPr>
@@ -4058,6 +4154,7 @@
                 <a:sym typeface="YuppySC-Regular"/>
               </a:defRPr>
             </a:pPr>
+            <a:endParaRPr/>
           </a:p>
         </p:txBody>
       </p:sp>
@@ -4153,12 +4250,12 @@
   <p:clrMapOvr>
     <a:masterClrMapping/>
   </p:clrMapOvr>
-  <p:transition xmlns:p14="http://schemas.microsoft.com/office/powerpoint/2010/main" spd="med" advClick="1"/>
+  <p:transition spd="med"/>
 </p:sld>
 </file>
 
 <file path=ppt/slides/slide14.xml><?xml version="1.0" encoding="utf-8"?>
-<p:sld xmlns:a="http://schemas.openxmlformats.org/drawingml/2006/main" xmlns:r="http://schemas.openxmlformats.org/officeDocument/2006/relationships" xmlns:p="http://schemas.openxmlformats.org/presentationml/2006/main" xmlns:m="http://schemas.openxmlformats.org/officeDocument/2006/math" xmlns:a14="http://schemas.microsoft.com/office/drawing/2010/main" showMasterSp="1" showMasterPhAnim="1">
+<p:sld xmlns:a="http://schemas.openxmlformats.org/drawingml/2006/main" xmlns:r="http://schemas.openxmlformats.org/officeDocument/2006/relationships" xmlns:p="http://schemas.openxmlformats.org/presentationml/2006/main">
   <p:cSld>
     <p:spTree>
       <p:nvGrpSpPr>
@@ -4177,7 +4274,9 @@
       <p:sp>
         <p:nvSpPr>
           <p:cNvPr id="189" name="指令块分类 自制积木"/>
-          <p:cNvSpPr txBox="1"/>
+          <p:cNvSpPr txBox="1">
+            <a:spLocks noGrp="1"/>
+          </p:cNvSpPr>
           <p:nvPr>
             <p:ph type="title"/>
           </p:nvPr>
@@ -4196,7 +4295,7 @@
           <a:lstStyle/>
           <a:p>
             <a:pPr>
-              <a:defRPr b="1" sz="3600">
+              <a:defRPr sz="3600" b="1">
                 <a:solidFill>
                   <a:srgbClr val="0096FF"/>
                 </a:solidFill>
@@ -4223,7 +4322,9 @@
       <p:sp>
         <p:nvSpPr>
           <p:cNvPr id="190" name="自制积木板块可以让我们按照自己的想法来组合属于我们自己的代码指令块。"/>
-          <p:cNvSpPr txBox="1"/>
+          <p:cNvSpPr txBox="1">
+            <a:spLocks noGrp="1"/>
+          </p:cNvSpPr>
           <p:nvPr>
             <p:ph type="body" sz="half" idx="1"/>
           </p:nvPr>
@@ -4253,7 +4354,6 @@
             </a:lvl1pPr>
           </a:lstStyle>
           <a:p>
-            <a:pPr/>
             <a:r>
               <a:t>自制积木板块可以让我们按照自己的想法来组合属于我们自己的代码指令块。</a:t>
             </a:r>
@@ -4323,12 +4423,12 @@
   <p:clrMapOvr>
     <a:masterClrMapping/>
   </p:clrMapOvr>
-  <p:transition xmlns:p14="http://schemas.microsoft.com/office/powerpoint/2010/main" spd="med" advClick="1"/>
+  <p:transition spd="med"/>
 </p:sld>
 </file>
 
 <file path=ppt/slides/slide15.xml><?xml version="1.0" encoding="utf-8"?>
-<p:sld xmlns:a="http://schemas.openxmlformats.org/drawingml/2006/main" xmlns:r="http://schemas.openxmlformats.org/officeDocument/2006/relationships" xmlns:p="http://schemas.openxmlformats.org/presentationml/2006/main" xmlns:m="http://schemas.openxmlformats.org/officeDocument/2006/math" xmlns:a14="http://schemas.microsoft.com/office/drawing/2010/main" showMasterSp="1" showMasterPhAnim="1">
+<p:sld xmlns:a="http://schemas.openxmlformats.org/drawingml/2006/main" xmlns:r="http://schemas.openxmlformats.org/officeDocument/2006/relationships" xmlns:p="http://schemas.openxmlformats.org/presentationml/2006/main">
   <p:cSld>
     <p:spTree>
       <p:nvGrpSpPr>
@@ -4347,7 +4447,9 @@
       <p:sp>
         <p:nvSpPr>
           <p:cNvPr id="194" name="Thank You"/>
-          <p:cNvSpPr txBox="1"/>
+          <p:cNvSpPr txBox="1">
+            <a:spLocks noGrp="1"/>
+          </p:cNvSpPr>
           <p:nvPr>
             <p:ph type="title"/>
           </p:nvPr>
@@ -4373,7 +4475,6 @@
             </a:lvl1pPr>
           </a:lstStyle>
           <a:p>
-            <a:pPr/>
             <a:r>
               <a:t>Thank You</a:t>
             </a:r>
@@ -4384,7 +4485,7 @@
         <p:nvPicPr>
           <p:cNvPr id="195" name="game1.jpg" descr="game1.jpg"/>
           <p:cNvPicPr>
-            <a:picLocks noChangeAspect="1"/>
+            <a:picLocks noGrp="1" noChangeAspect="1"/>
           </p:cNvPicPr>
           <p:nvPr>
             <p:ph type="pic" idx="13"/>
@@ -4394,7 +4495,7 @@
           <a:blip r:embed="rId2">
             <a:extLst/>
           </a:blip>
-          <a:srcRect l="14381" t="0" r="14381" b="0"/>
+          <a:srcRect l="14381" r="14381"/>
           <a:stretch>
             <a:fillRect/>
           </a:stretch>
@@ -4414,12 +4515,12 @@
   <p:clrMapOvr>
     <a:masterClrMapping/>
   </p:clrMapOvr>
-  <p:transition xmlns:p14="http://schemas.microsoft.com/office/powerpoint/2010/main" spd="med" advClick="1"/>
+  <p:transition spd="med"/>
 </p:sld>
 </file>
 
 <file path=ppt/slides/slide2.xml><?xml version="1.0" encoding="utf-8"?>
-<p:sld xmlns:a="http://schemas.openxmlformats.org/drawingml/2006/main" xmlns:r="http://schemas.openxmlformats.org/officeDocument/2006/relationships" xmlns:p="http://schemas.openxmlformats.org/presentationml/2006/main" xmlns:m="http://schemas.openxmlformats.org/officeDocument/2006/math" xmlns:a14="http://schemas.microsoft.com/office/drawing/2010/main" showMasterSp="1" showMasterPhAnim="1">
+<p:sld xmlns:a="http://schemas.openxmlformats.org/drawingml/2006/main" xmlns:r="http://schemas.openxmlformats.org/officeDocument/2006/relationships" xmlns:p="http://schemas.openxmlformats.org/presentationml/2006/main">
   <p:cSld>
     <p:spTree>
       <p:nvGrpSpPr>
@@ -4438,7 +4539,9 @@
       <p:sp>
         <p:nvSpPr>
           <p:cNvPr id="122" name="Scratch的来源"/>
-          <p:cNvSpPr txBox="1"/>
+          <p:cNvSpPr txBox="1">
+            <a:spLocks noGrp="1"/>
+          </p:cNvSpPr>
           <p:nvPr>
             <p:ph type="title"/>
           </p:nvPr>
@@ -4456,7 +4559,7 @@
           <a:bodyPr/>
           <a:lstStyle>
             <a:lvl1pPr>
-              <a:defRPr b="1" sz="3600">
+              <a:defRPr sz="3600" b="1">
                 <a:solidFill>
                   <a:srgbClr val="0096FF"/>
                 </a:solidFill>
@@ -4468,7 +4571,6 @@
             </a:lvl1pPr>
           </a:lstStyle>
           <a:p>
-            <a:pPr/>
             <a:r>
               <a:t>Scratch的来源</a:t>
             </a:r>
@@ -4479,7 +4581,7 @@
         <p:nvPicPr>
           <p:cNvPr id="123" name="图片占位符 2" descr="图片占位符 2"/>
           <p:cNvPicPr>
-            <a:picLocks noChangeAspect="1"/>
+            <a:picLocks noGrp="1" noChangeAspect="1"/>
           </p:cNvPicPr>
           <p:nvPr>
             <p:ph type="pic" idx="13"/>
@@ -4489,7 +4591,7 @@
           <a:blip r:embed="rId2">
             <a:extLst/>
           </a:blip>
-          <a:srcRect l="4735" t="0" r="4735" b="0"/>
+          <a:srcRect l="4735" r="4735"/>
           <a:stretch>
             <a:fillRect/>
           </a:stretch>
@@ -4503,7 +4605,9 @@
       <p:sp>
         <p:nvSpPr>
           <p:cNvPr id="124" name="Scratch是由美国麻省理工学院媒体实验室的终身幼儿研究小组(Lifelong)的成员米切尔-雷斯尼克和西摩-佩伯特于2003年发起的帮助所有孩子发现和跟随自己的探索力的项目。2007年，Scratch 1.0正式发布上线。…"/>
-          <p:cNvSpPr txBox="1"/>
+          <p:cNvSpPr txBox="1">
+            <a:spLocks noGrp="1"/>
+          </p:cNvSpPr>
           <p:nvPr>
             <p:ph type="body" sz="half" idx="1"/>
           </p:nvPr>
@@ -4537,11 +4641,11 @@
             </a:r>
           </a:p>
           <a:p>
-            <a:pPr/>
+            <a:endParaRPr/>
           </a:p>
           <a:p>
             <a:pPr>
-              <a:defRPr b="1" sz="1800">
+              <a:defRPr sz="1800" b="1">
                 <a:solidFill>
                   <a:schemeClr val="accent6">
                     <a:lumOff val="-9568"/>
@@ -4559,7 +4663,7 @@
           </a:p>
           <a:p>
             <a:pPr>
-              <a:defRPr b="1" sz="1800">
+              <a:defRPr sz="1800" b="1">
                 <a:solidFill>
                   <a:schemeClr val="accent6">
                     <a:lumOff val="-9568"/>
@@ -4582,12 +4686,12 @@
   <p:clrMapOvr>
     <a:masterClrMapping/>
   </p:clrMapOvr>
-  <p:transition xmlns:p14="http://schemas.microsoft.com/office/powerpoint/2010/main" spd="med" advClick="1"/>
+  <p:transition spd="med"/>
 </p:sld>
 </file>
 
 <file path=ppt/slides/slide3.xml><?xml version="1.0" encoding="utf-8"?>
-<p:sld xmlns:a="http://schemas.openxmlformats.org/drawingml/2006/main" xmlns:r="http://schemas.openxmlformats.org/officeDocument/2006/relationships" xmlns:p="http://schemas.openxmlformats.org/presentationml/2006/main" xmlns:m="http://schemas.openxmlformats.org/officeDocument/2006/math" xmlns:a14="http://schemas.microsoft.com/office/drawing/2010/main" showMasterSp="1" showMasterPhAnim="1">
+<p:sld xmlns:a="http://schemas.openxmlformats.org/drawingml/2006/main" xmlns:r="http://schemas.openxmlformats.org/officeDocument/2006/relationships" xmlns:p="http://schemas.openxmlformats.org/presentationml/2006/main">
   <p:cSld>
     <p:spTree>
       <p:nvGrpSpPr>
@@ -4606,7 +4710,9 @@
       <p:sp>
         <p:nvSpPr>
           <p:cNvPr id="126" name="Scratch组成 角色"/>
-          <p:cNvSpPr txBox="1"/>
+          <p:cNvSpPr txBox="1">
+            <a:spLocks noGrp="1"/>
+          </p:cNvSpPr>
           <p:nvPr>
             <p:ph type="title"/>
           </p:nvPr>
@@ -4625,7 +4731,7 @@
           <a:lstStyle/>
           <a:p>
             <a:pPr>
-              <a:defRPr b="1" sz="3600">
+              <a:defRPr sz="3600" b="1">
                 <a:solidFill>
                   <a:srgbClr val="0096FF"/>
                 </a:solidFill>
@@ -4652,7 +4758,9 @@
       <p:sp>
         <p:nvSpPr>
           <p:cNvPr id="127" name="角色指的是你的编程对象，它可以是漫步的卡通人物，物体或者其它。…"/>
-          <p:cNvSpPr txBox="1"/>
+          <p:cNvSpPr txBox="1">
+            <a:spLocks noGrp="1"/>
+          </p:cNvSpPr>
           <p:nvPr>
             <p:ph type="body" sz="half" idx="1"/>
           </p:nvPr>
@@ -4694,6 +4802,7 @@
                 <a:sym typeface="YuppySC-Regular"/>
               </a:defRPr>
             </a:pPr>
+            <a:endParaRPr/>
           </a:p>
           <a:p>
             <a:pPr>
@@ -4736,6 +4845,7 @@
                 <a:sym typeface="YuppySC-Regular"/>
               </a:defRPr>
             </a:pPr>
+            <a:endParaRPr/>
           </a:p>
           <a:p>
             <a:pPr>
@@ -4789,12 +4899,12 @@
   <p:clrMapOvr>
     <a:masterClrMapping/>
   </p:clrMapOvr>
-  <p:transition xmlns:p14="http://schemas.microsoft.com/office/powerpoint/2010/main" spd="med" advClick="1"/>
+  <p:transition spd="med"/>
 </p:sld>
 </file>
 
 <file path=ppt/slides/slide4.xml><?xml version="1.0" encoding="utf-8"?>
-<p:sld xmlns:a="http://schemas.openxmlformats.org/drawingml/2006/main" xmlns:r="http://schemas.openxmlformats.org/officeDocument/2006/relationships" xmlns:p="http://schemas.openxmlformats.org/presentationml/2006/main" xmlns:m="http://schemas.openxmlformats.org/officeDocument/2006/math" xmlns:a14="http://schemas.microsoft.com/office/drawing/2010/main" showMasterSp="1" showMasterPhAnim="1">
+<p:sld xmlns:a="http://schemas.openxmlformats.org/drawingml/2006/main" xmlns:r="http://schemas.openxmlformats.org/officeDocument/2006/relationships" xmlns:p="http://schemas.openxmlformats.org/presentationml/2006/main">
   <p:cSld>
     <p:spTree>
       <p:nvGrpSpPr>
@@ -4813,7 +4923,9 @@
       <p:sp>
         <p:nvSpPr>
           <p:cNvPr id="130" name="Scratch组成 舞台"/>
-          <p:cNvSpPr txBox="1"/>
+          <p:cNvSpPr txBox="1">
+            <a:spLocks noGrp="1"/>
+          </p:cNvSpPr>
           <p:nvPr>
             <p:ph type="title"/>
           </p:nvPr>
@@ -4832,7 +4944,7 @@
           <a:lstStyle/>
           <a:p>
             <a:pPr>
-              <a:defRPr b="1" sz="3600">
+              <a:defRPr sz="3600" b="1">
                 <a:solidFill>
                   <a:srgbClr val="0096FF"/>
                 </a:solidFill>
@@ -4860,7 +4972,7 @@
         <p:nvPicPr>
           <p:cNvPr id="131" name="图片占位符 2" descr="图片占位符 2"/>
           <p:cNvPicPr>
-            <a:picLocks noChangeAspect="1"/>
+            <a:picLocks noGrp="1" noChangeAspect="1"/>
           </p:cNvPicPr>
           <p:nvPr>
             <p:ph type="pic" idx="13"/>
@@ -4870,7 +4982,7 @@
           <a:blip r:embed="rId2">
             <a:extLst/>
           </a:blip>
-          <a:srcRect l="2508" t="0" r="2508" b="0"/>
+          <a:srcRect l="2508" r="2508"/>
           <a:stretch>
             <a:fillRect/>
           </a:stretch>
@@ -4888,7 +5000,9 @@
       <p:sp>
         <p:nvSpPr>
           <p:cNvPr id="132" name="作品需要在舞台进行展示。…"/>
-          <p:cNvSpPr txBox="1"/>
+          <p:cNvSpPr txBox="1">
+            <a:spLocks noGrp="1"/>
+          </p:cNvSpPr>
           <p:nvPr>
             <p:ph type="body" sz="half" idx="1"/>
           </p:nvPr>
@@ -4935,6 +5049,7 @@
                 <a:sym typeface="YuppySC-Regular"/>
               </a:defRPr>
             </a:pPr>
+            <a:endParaRPr/>
           </a:p>
           <a:p>
             <a:pPr>
@@ -4959,12 +5074,12 @@
   <p:clrMapOvr>
     <a:masterClrMapping/>
   </p:clrMapOvr>
-  <p:transition xmlns:p14="http://schemas.microsoft.com/office/powerpoint/2010/main" spd="med" advClick="1"/>
+  <p:transition spd="med"/>
 </p:sld>
 </file>
 
 <file path=ppt/slides/slide5.xml><?xml version="1.0" encoding="utf-8"?>
-<p:sld xmlns:a="http://schemas.openxmlformats.org/drawingml/2006/main" xmlns:r="http://schemas.openxmlformats.org/officeDocument/2006/relationships" xmlns:p="http://schemas.openxmlformats.org/presentationml/2006/main" xmlns:m="http://schemas.openxmlformats.org/officeDocument/2006/math" xmlns:a14="http://schemas.microsoft.com/office/drawing/2010/main" showMasterSp="1" showMasterPhAnim="1">
+<p:sld xmlns:a="http://schemas.openxmlformats.org/drawingml/2006/main" xmlns:r="http://schemas.openxmlformats.org/officeDocument/2006/relationships" xmlns:p="http://schemas.openxmlformats.org/presentationml/2006/main">
   <p:cSld>
     <p:spTree>
       <p:nvGrpSpPr>
@@ -4983,7 +5098,9 @@
       <p:sp>
         <p:nvSpPr>
           <p:cNvPr id="134" name="Scratch组成 指令块"/>
-          <p:cNvSpPr txBox="1"/>
+          <p:cNvSpPr txBox="1">
+            <a:spLocks noGrp="1"/>
+          </p:cNvSpPr>
           <p:nvPr>
             <p:ph type="title"/>
           </p:nvPr>
@@ -5002,7 +5119,7 @@
           <a:lstStyle/>
           <a:p>
             <a:pPr>
-              <a:defRPr b="1" sz="3600">
+              <a:defRPr sz="3600" b="1">
                 <a:solidFill>
                   <a:srgbClr val="0096FF"/>
                 </a:solidFill>
@@ -5030,7 +5147,7 @@
         <p:nvPicPr>
           <p:cNvPr id="135" name="图片占位符 2" descr="图片占位符 2"/>
           <p:cNvPicPr>
-            <a:picLocks noChangeAspect="1"/>
+            <a:picLocks noGrp="1" noChangeAspect="1"/>
           </p:cNvPicPr>
           <p:nvPr>
             <p:ph type="pic" idx="13"/>
@@ -5040,7 +5157,7 @@
           <a:blip r:embed="rId2">
             <a:extLst/>
           </a:blip>
-          <a:srcRect l="14381" t="0" r="14381" b="0"/>
+          <a:srcRect l="14381" r="14381"/>
           <a:stretch>
             <a:fillRect/>
           </a:stretch>
@@ -5054,7 +5171,9 @@
       <p:sp>
         <p:nvSpPr>
           <p:cNvPr id="136" name="指令块就像乐高积木一样，可以互相之间进行拼接。…"/>
-          <p:cNvSpPr txBox="1"/>
+          <p:cNvSpPr txBox="1">
+            <a:spLocks noGrp="1"/>
+          </p:cNvSpPr>
           <p:nvPr>
             <p:ph type="body" sz="half" idx="1"/>
           </p:nvPr>
@@ -5101,6 +5220,7 @@
                 <a:sym typeface="YuppySC-Regular"/>
               </a:defRPr>
             </a:pPr>
+            <a:endParaRPr/>
           </a:p>
           <a:p>
             <a:pPr>
@@ -5212,12 +5332,12 @@
   <p:clrMapOvr>
     <a:masterClrMapping/>
   </p:clrMapOvr>
-  <p:transition xmlns:p14="http://schemas.microsoft.com/office/powerpoint/2010/main" spd="med" advClick="1"/>
+  <p:transition spd="med"/>
 </p:sld>
 </file>
 
 <file path=ppt/slides/slide6.xml><?xml version="1.0" encoding="utf-8"?>
-<p:sld xmlns:a="http://schemas.openxmlformats.org/drawingml/2006/main" xmlns:r="http://schemas.openxmlformats.org/officeDocument/2006/relationships" xmlns:p="http://schemas.openxmlformats.org/presentationml/2006/main" xmlns:m="http://schemas.openxmlformats.org/officeDocument/2006/math" xmlns:a14="http://schemas.microsoft.com/office/drawing/2010/main" showMasterSp="1" showMasterPhAnim="1">
+<p:sld xmlns:a="http://schemas.openxmlformats.org/drawingml/2006/main" xmlns:r="http://schemas.openxmlformats.org/officeDocument/2006/relationships" xmlns:p="http://schemas.openxmlformats.org/presentationml/2006/main">
   <p:cSld>
     <p:spTree>
       <p:nvGrpSpPr>
@@ -5236,7 +5356,9 @@
       <p:sp>
         <p:nvSpPr>
           <p:cNvPr id="141" name="指令块分类 运动"/>
-          <p:cNvSpPr txBox="1"/>
+          <p:cNvSpPr txBox="1">
+            <a:spLocks noGrp="1"/>
+          </p:cNvSpPr>
           <p:nvPr>
             <p:ph type="title"/>
           </p:nvPr>
@@ -5255,7 +5377,7 @@
           <a:lstStyle/>
           <a:p>
             <a:pPr>
-              <a:defRPr b="1" sz="3600">
+              <a:defRPr sz="3600" b="1">
                 <a:solidFill>
                   <a:srgbClr val="0096FF"/>
                 </a:solidFill>
@@ -5282,7 +5404,9 @@
       <p:sp>
         <p:nvSpPr>
           <p:cNvPr id="142" name="代码中的运动板块包含了可以让你的角色运动起来的指令。"/>
-          <p:cNvSpPr txBox="1"/>
+          <p:cNvSpPr txBox="1">
+            <a:spLocks noGrp="1"/>
+          </p:cNvSpPr>
           <p:nvPr>
             <p:ph type="body" sz="half" idx="1"/>
           </p:nvPr>
@@ -5312,7 +5436,6 @@
             </a:lvl1pPr>
           </a:lstStyle>
           <a:p>
-            <a:pPr/>
             <a:r>
               <a:t>代码中的运动板块包含了可以让你的角色运动起来的指令。</a:t>
             </a:r>
@@ -5382,12 +5505,12 @@
   <p:clrMapOvr>
     <a:masterClrMapping/>
   </p:clrMapOvr>
-  <p:transition xmlns:p14="http://schemas.microsoft.com/office/powerpoint/2010/main" spd="med" advClick="1"/>
+  <p:transition spd="med"/>
 </p:sld>
 </file>
 
 <file path=ppt/slides/slide7.xml><?xml version="1.0" encoding="utf-8"?>
-<p:sld xmlns:a="http://schemas.openxmlformats.org/drawingml/2006/main" xmlns:r="http://schemas.openxmlformats.org/officeDocument/2006/relationships" xmlns:p="http://schemas.openxmlformats.org/presentationml/2006/main" xmlns:m="http://schemas.openxmlformats.org/officeDocument/2006/math" xmlns:a14="http://schemas.microsoft.com/office/drawing/2010/main" showMasterSp="1" showMasterPhAnim="1">
+<p:sld xmlns:a="http://schemas.openxmlformats.org/drawingml/2006/main" xmlns:r="http://schemas.openxmlformats.org/officeDocument/2006/relationships" xmlns:p="http://schemas.openxmlformats.org/presentationml/2006/main">
   <p:cSld>
     <p:spTree>
       <p:nvGrpSpPr>
@@ -5406,7 +5529,9 @@
       <p:sp>
         <p:nvSpPr>
           <p:cNvPr id="146" name="指令块分类 外观"/>
-          <p:cNvSpPr txBox="1"/>
+          <p:cNvSpPr txBox="1">
+            <a:spLocks noGrp="1"/>
+          </p:cNvSpPr>
           <p:nvPr>
             <p:ph type="title"/>
           </p:nvPr>
@@ -5425,7 +5550,7 @@
           <a:lstStyle/>
           <a:p>
             <a:pPr>
-              <a:defRPr b="1" sz="3600">
+              <a:defRPr sz="3600" b="1">
                 <a:solidFill>
                   <a:srgbClr val="0096FF"/>
                 </a:solidFill>
@@ -5452,7 +5577,9 @@
       <p:sp>
         <p:nvSpPr>
           <p:cNvPr id="147" name="代码中的外观板块包含了可以修改你的角色的外观的指令。"/>
-          <p:cNvSpPr txBox="1"/>
+          <p:cNvSpPr txBox="1">
+            <a:spLocks noGrp="1"/>
+          </p:cNvSpPr>
           <p:nvPr>
             <p:ph type="body" sz="half" idx="1"/>
           </p:nvPr>
@@ -5486,7 +5613,7 @@
             </a:r>
           </a:p>
           <a:p>
-            <a:pPr lvl="5" marL="0" indent="2286000">
+            <a:pPr marL="0" lvl="5" indent="2286000">
               <a:buSzTx/>
               <a:buFontTx/>
               <a:buNone/>
@@ -5500,9 +5627,10 @@
                 <a:sym typeface="YuppySC-Regular"/>
               </a:defRPr>
             </a:pPr>
-          </a:p>
-          <a:p>
-            <a:pPr lvl="5" marL="0" indent="2286000">
+            <a:endParaRPr/>
+          </a:p>
+          <a:p>
+            <a:pPr marL="0" lvl="5" indent="2286000">
               <a:buSzTx/>
               <a:buFontTx/>
               <a:buNone/>
@@ -5516,6 +5644,7 @@
                 <a:sym typeface="YuppySC-Regular"/>
               </a:defRPr>
             </a:pPr>
+            <a:endParaRPr/>
           </a:p>
         </p:txBody>
       </p:sp>
@@ -5625,7 +5754,7 @@
           </a:ln>
           <a:extLst>
             <a:ext uri="{C572A759-6A51-4108-AA02-DFA0A04FC94B}">
-              <ma14:wrappingTextBoxFlag xmlns:ma14="http://schemas.microsoft.com/office/mac/drawingml/2011/main" val="1"/>
+              <ma14:wrappingTextBoxFlag xmlns:ma14="http://schemas.microsoft.com/office/mac/drawingml/2011/main" xmlns:a14="http://schemas.microsoft.com/office/drawing/2010/main" xmlns:m="http://schemas.openxmlformats.org/officeDocument/2006/math" xmlns="" val="1"/>
             </a:ext>
           </a:extLst>
         </p:spPr>
@@ -5653,7 +5782,6 @@
             </a:lvl1pPr>
           </a:lstStyle>
           <a:p>
-            <a:pPr/>
             <a:r>
               <a:t>外观可以是文字</a:t>
             </a:r>
@@ -5694,12 +5822,12 @@
   <p:clrMapOvr>
     <a:masterClrMapping/>
   </p:clrMapOvr>
-  <p:transition xmlns:p14="http://schemas.microsoft.com/office/powerpoint/2010/main" spd="med" advClick="1"/>
+  <p:transition spd="med"/>
 </p:sld>
 </file>
 
 <file path=ppt/slides/slide8.xml><?xml version="1.0" encoding="utf-8"?>
-<p:sld xmlns:a="http://schemas.openxmlformats.org/drawingml/2006/main" xmlns:r="http://schemas.openxmlformats.org/officeDocument/2006/relationships" xmlns:p="http://schemas.openxmlformats.org/presentationml/2006/main" xmlns:m="http://schemas.openxmlformats.org/officeDocument/2006/math" xmlns:a14="http://schemas.microsoft.com/office/drawing/2010/main" showMasterSp="1" showMasterPhAnim="1">
+<p:sld xmlns:a="http://schemas.openxmlformats.org/drawingml/2006/main" xmlns:r="http://schemas.openxmlformats.org/officeDocument/2006/relationships" xmlns:p="http://schemas.openxmlformats.org/presentationml/2006/main">
   <p:cSld>
     <p:spTree>
       <p:nvGrpSpPr>
@@ -5718,7 +5846,9 @@
       <p:sp>
         <p:nvSpPr>
           <p:cNvPr id="154" name="指令块分类 声音"/>
-          <p:cNvSpPr txBox="1"/>
+          <p:cNvSpPr txBox="1">
+            <a:spLocks noGrp="1"/>
+          </p:cNvSpPr>
           <p:nvPr>
             <p:ph type="title"/>
           </p:nvPr>
@@ -5737,7 +5867,7 @@
           <a:lstStyle/>
           <a:p>
             <a:pPr>
-              <a:defRPr b="1" sz="3600">
+              <a:defRPr sz="3600" b="1">
                 <a:solidFill>
                   <a:srgbClr val="0096FF"/>
                 </a:solidFill>
@@ -5765,7 +5895,7 @@
         <p:nvPicPr>
           <p:cNvPr id="155" name="cock.jpg" descr="cock.jpg"/>
           <p:cNvPicPr>
-            <a:picLocks noChangeAspect="1"/>
+            <a:picLocks noGrp="1" noChangeAspect="1"/>
           </p:cNvPicPr>
           <p:nvPr>
             <p:ph type="pic" idx="13"/>
@@ -5775,7 +5905,7 @@
           <a:blip r:embed="rId2">
             <a:extLst/>
           </a:blip>
-          <a:srcRect l="343" t="0" r="343" b="0"/>
+          <a:srcRect l="343" r="343"/>
           <a:stretch>
             <a:fillRect/>
           </a:stretch>
@@ -5789,7 +5919,9 @@
       <p:sp>
         <p:nvSpPr>
           <p:cNvPr id="156" name="代码中的声音板块包含了让你的角色播放声音的代码。…"/>
-          <p:cNvSpPr txBox="1"/>
+          <p:cNvSpPr txBox="1">
+            <a:spLocks noGrp="1"/>
+          </p:cNvSpPr>
           <p:nvPr>
             <p:ph type="body" sz="half" idx="1"/>
           </p:nvPr>
@@ -5797,7 +5929,7 @@
         <p:spPr>
           <a:xfrm>
             <a:off x="839787" y="1247174"/>
-            <a:ext cx="3932239" cy="4621814"/>
+            <a:ext cx="3932239" cy="5361444"/>
           </a:xfrm>
           <a:prstGeom prst="rect">
             <a:avLst/>
@@ -5819,7 +5951,12 @@
               </a:defRPr>
             </a:pPr>
             <a:r>
-              <a:t>代码中的声音板块包含了让你的角色播放声音的代码。</a:t>
+              <a:rPr dirty="0" err="1"/>
+              <a:t>代码中的声音板块包含了让你的角色播放声音的代码</a:t>
+            </a:r>
+            <a:r>
+              <a:rPr dirty="0"/>
+              <a:t>。</a:t>
             </a:r>
           </a:p>
           <a:p>
@@ -5834,6 +5971,7 @@
                 <a:sym typeface="YuppySC-Regular"/>
               </a:defRPr>
             </a:pPr>
+            <a:endParaRPr dirty="0"/>
           </a:p>
           <a:p>
             <a:pPr>
@@ -5847,6 +5985,7 @@
                 <a:sym typeface="YuppySC-Regular"/>
               </a:defRPr>
             </a:pPr>
+            <a:endParaRPr dirty="0"/>
           </a:p>
           <a:p>
             <a:pPr>
@@ -5860,6 +5999,7 @@
                 <a:sym typeface="YuppySC-Regular"/>
               </a:defRPr>
             </a:pPr>
+            <a:endParaRPr dirty="0"/>
           </a:p>
           <a:p>
             <a:pPr>
@@ -5873,6 +6013,7 @@
                 <a:sym typeface="YuppySC-Regular"/>
               </a:defRPr>
             </a:pPr>
+            <a:endParaRPr dirty="0"/>
           </a:p>
           <a:p>
             <a:pPr>
@@ -5886,6 +6027,7 @@
                 <a:sym typeface="YuppySC-Regular"/>
               </a:defRPr>
             </a:pPr>
+            <a:endParaRPr dirty="0"/>
           </a:p>
           <a:p>
             <a:pPr>
@@ -5899,8 +6041,27 @@
                 <a:sym typeface="YuppySC-Regular"/>
               </a:defRPr>
             </a:pPr>
-            <a:r>
-              <a:t>你既可以使用系统内置的声音，也可以使用自己上传声音素材。</a:t>
+            <a:endParaRPr lang="en-US" altLang="zh-CN" dirty="0"/>
+          </a:p>
+          <a:p>
+            <a:pPr>
+              <a:defRPr sz="1800">
+                <a:solidFill>
+                  <a:srgbClr val="FF40FF"/>
+                </a:solidFill>
+                <a:latin typeface="YuppySC-Regular"/>
+                <a:ea typeface="YuppySC-Regular"/>
+                <a:cs typeface="YuppySC-Regular"/>
+                <a:sym typeface="YuppySC-Regular"/>
+              </a:defRPr>
+            </a:pPr>
+            <a:r>
+              <a:rPr dirty="0" err="1"/>
+              <a:t>你既可以使用系统内置的声音，也可以使用自己上传声音素材</a:t>
+            </a:r>
+            <a:r>
+              <a:rPr dirty="0"/>
+              <a:t>。</a:t>
             </a:r>
           </a:p>
         </p:txBody>
@@ -5923,8 +6084,8 @@
         </p:blipFill>
         <p:spPr>
           <a:xfrm>
-            <a:off x="924483" y="2008395"/>
-            <a:ext cx="1993901" cy="1854201"/>
+            <a:off x="924484" y="2008396"/>
+            <a:ext cx="1791338" cy="1665830"/>
           </a:xfrm>
           <a:prstGeom prst="rect">
             <a:avLst/>
@@ -5952,8 +6113,8 @@
         </p:blipFill>
         <p:spPr>
           <a:xfrm>
-            <a:off x="992212" y="4723337"/>
-            <a:ext cx="1472406" cy="1478726"/>
+            <a:off x="992212" y="4794193"/>
+            <a:ext cx="1401853" cy="1407870"/>
           </a:xfrm>
           <a:prstGeom prst="rect">
             <a:avLst/>
@@ -5968,12 +6129,12 @@
   <p:clrMapOvr>
     <a:masterClrMapping/>
   </p:clrMapOvr>
-  <p:transition xmlns:p14="http://schemas.microsoft.com/office/powerpoint/2010/main" spd="med" advClick="1"/>
+  <p:transition spd="med"/>
 </p:sld>
 </file>
 
 <file path=ppt/slides/slide9.xml><?xml version="1.0" encoding="utf-8"?>
-<p:sld xmlns:a="http://schemas.openxmlformats.org/drawingml/2006/main" xmlns:r="http://schemas.openxmlformats.org/officeDocument/2006/relationships" xmlns:p="http://schemas.openxmlformats.org/presentationml/2006/main" xmlns:m="http://schemas.openxmlformats.org/officeDocument/2006/math" xmlns:a14="http://schemas.microsoft.com/office/drawing/2010/main" showMasterSp="1" showMasterPhAnim="1">
+<p:sld xmlns:a="http://schemas.openxmlformats.org/drawingml/2006/main" xmlns:r="http://schemas.openxmlformats.org/officeDocument/2006/relationships" xmlns:p="http://schemas.openxmlformats.org/presentationml/2006/main">
   <p:cSld>
     <p:spTree>
       <p:nvGrpSpPr>
@@ -5992,7 +6153,9 @@
       <p:sp>
         <p:nvSpPr>
           <p:cNvPr id="160" name="指令块分类 事件"/>
-          <p:cNvSpPr txBox="1"/>
+          <p:cNvSpPr txBox="1">
+            <a:spLocks noGrp="1"/>
+          </p:cNvSpPr>
           <p:nvPr>
             <p:ph type="title"/>
           </p:nvPr>
@@ -6011,7 +6174,7 @@
           <a:lstStyle/>
           <a:p>
             <a:pPr>
-              <a:defRPr b="1" sz="3600">
+              <a:defRPr sz="3600" b="1">
                 <a:solidFill>
                   <a:srgbClr val="0096FF"/>
                 </a:solidFill>
@@ -6039,7 +6202,7 @@
         <p:nvPicPr>
           <p:cNvPr id="161" name="click.jpg" descr="click.jpg"/>
           <p:cNvPicPr>
-            <a:picLocks noChangeAspect="1"/>
+            <a:picLocks noGrp="1" noChangeAspect="1"/>
           </p:cNvPicPr>
           <p:nvPr>
             <p:ph type="pic" idx="13"/>
@@ -6049,7 +6212,7 @@
           <a:blip r:embed="rId2">
             <a:extLst/>
           </a:blip>
-          <a:srcRect l="0" t="10670" r="0" b="10670"/>
+          <a:srcRect t="10670" b="10670"/>
           <a:stretch>
             <a:fillRect/>
           </a:stretch>
@@ -6067,7 +6230,9 @@
       <p:sp>
         <p:nvSpPr>
           <p:cNvPr id="162" name="代码中的外观板块包含了角色被用户操作后的响应事件。"/>
-          <p:cNvSpPr txBox="1"/>
+          <p:cNvSpPr txBox="1">
+            <a:spLocks noGrp="1"/>
+          </p:cNvSpPr>
           <p:nvPr>
             <p:ph type="body" sz="half" idx="1"/>
           </p:nvPr>
@@ -6112,6 +6277,7 @@
                 <a:sym typeface="YuppySC-Regular"/>
               </a:defRPr>
             </a:pPr>
+            <a:endParaRPr/>
           </a:p>
         </p:txBody>
       </p:sp>
@@ -6149,12 +6315,12 @@
   <p:clrMapOvr>
     <a:masterClrMapping/>
   </p:clrMapOvr>
-  <p:transition xmlns:p14="http://schemas.microsoft.com/office/powerpoint/2010/main" spd="med" advClick="1"/>
+  <p:transition spd="med"/>
 </p:sld>
 </file>
 
 <file path=ppt/theme/theme1.xml><?xml version="1.0" encoding="utf-8"?>
-<a:theme xmlns:a="http://schemas.openxmlformats.org/drawingml/2006/main" xmlns:r="http://schemas.openxmlformats.org/officeDocument/2006/relationships" name="Office 主题​​">
+<a:theme xmlns:a="http://schemas.openxmlformats.org/drawingml/2006/main" name="Office 主题​​">
   <a:themeElements>
     <a:clrScheme name="Office 主题​​">
       <a:dk1>
@@ -6356,7 +6522,7 @@
         <a:effectLst/>
         <a:sp3d/>
       </a:spPr>
-      <a:bodyPr rot="0" spcFirstLastPara="1" vertOverflow="overflow" horzOverflow="overflow" vert="horz" wrap="square" lIns="45719" tIns="45719" rIns="45719" bIns="45719" numCol="1" spcCol="38100" rtlCol="0" anchor="ctr" upright="0">
+      <a:bodyPr rot="0" spcFirstLastPara="1" vertOverflow="overflow" horzOverflow="overflow" vert="horz" wrap="square" lIns="45719" tIns="45719" rIns="45719" bIns="45719" numCol="1" spcCol="38100" rtlCol="0" anchor="ctr">
         <a:spAutoFit/>
       </a:bodyPr>
       <a:lstStyle>
@@ -6375,7 +6541,7 @@
           <a:buFontTx/>
           <a:buNone/>
           <a:tabLst/>
-          <a:defRPr b="0" baseline="0" cap="none" i="0" spc="0" strike="noStrike" sz="1800" u="none" kumimoji="0" normalizeH="0">
+          <a:defRPr kumimoji="0" sz="1800" b="0" i="0" u="none" strike="noStrike" cap="none" spc="0" normalizeH="0" baseline="0">
             <a:ln>
               <a:noFill/>
             </a:ln>
@@ -6405,7 +6571,7 @@
           <a:buFontTx/>
           <a:buNone/>
           <a:tabLst/>
-          <a:defRPr b="0" baseline="0" cap="none" i="0" spc="0" strike="noStrike" sz="1800" u="none" kumimoji="0" normalizeH="0">
+          <a:defRPr kumimoji="0" sz="1800" b="0" i="0" u="none" strike="noStrike" cap="none" spc="0" normalizeH="0" baseline="0">
             <a:ln>
               <a:noFill/>
             </a:ln>
@@ -6431,7 +6597,7 @@
           <a:buFontTx/>
           <a:buNone/>
           <a:tabLst/>
-          <a:defRPr b="0" baseline="0" cap="none" i="0" spc="0" strike="noStrike" sz="1800" u="none" kumimoji="0" normalizeH="0">
+          <a:defRPr kumimoji="0" sz="1800" b="0" i="0" u="none" strike="noStrike" cap="none" spc="0" normalizeH="0" baseline="0">
             <a:ln>
               <a:noFill/>
             </a:ln>
@@ -6457,7 +6623,7 @@
           <a:buFontTx/>
           <a:buNone/>
           <a:tabLst/>
-          <a:defRPr b="0" baseline="0" cap="none" i="0" spc="0" strike="noStrike" sz="1800" u="none" kumimoji="0" normalizeH="0">
+          <a:defRPr kumimoji="0" sz="1800" b="0" i="0" u="none" strike="noStrike" cap="none" spc="0" normalizeH="0" baseline="0">
             <a:ln>
               <a:noFill/>
             </a:ln>
@@ -6483,7 +6649,7 @@
           <a:buFontTx/>
           <a:buNone/>
           <a:tabLst/>
-          <a:defRPr b="0" baseline="0" cap="none" i="0" spc="0" strike="noStrike" sz="1800" u="none" kumimoji="0" normalizeH="0">
+          <a:defRPr kumimoji="0" sz="1800" b="0" i="0" u="none" strike="noStrike" cap="none" spc="0" normalizeH="0" baseline="0">
             <a:ln>
               <a:noFill/>
             </a:ln>
@@ -6509,7 +6675,7 @@
           <a:buFontTx/>
           <a:buNone/>
           <a:tabLst/>
-          <a:defRPr b="0" baseline="0" cap="none" i="0" spc="0" strike="noStrike" sz="1800" u="none" kumimoji="0" normalizeH="0">
+          <a:defRPr kumimoji="0" sz="1800" b="0" i="0" u="none" strike="noStrike" cap="none" spc="0" normalizeH="0" baseline="0">
             <a:ln>
               <a:noFill/>
             </a:ln>
@@ -6535,7 +6701,7 @@
           <a:buFontTx/>
           <a:buNone/>
           <a:tabLst/>
-          <a:defRPr b="0" baseline="0" cap="none" i="0" spc="0" strike="noStrike" sz="1800" u="none" kumimoji="0" normalizeH="0">
+          <a:defRPr kumimoji="0" sz="1800" b="0" i="0" u="none" strike="noStrike" cap="none" spc="0" normalizeH="0" baseline="0">
             <a:ln>
               <a:noFill/>
             </a:ln>
@@ -6561,7 +6727,7 @@
           <a:buFontTx/>
           <a:buNone/>
           <a:tabLst/>
-          <a:defRPr b="0" baseline="0" cap="none" i="0" spc="0" strike="noStrike" sz="1800" u="none" kumimoji="0" normalizeH="0">
+          <a:defRPr kumimoji="0" sz="1800" b="0" i="0" u="none" strike="noStrike" cap="none" spc="0" normalizeH="0" baseline="0">
             <a:ln>
               <a:noFill/>
             </a:ln>
@@ -6587,7 +6753,7 @@
           <a:buFontTx/>
           <a:buNone/>
           <a:tabLst/>
-          <a:defRPr b="0" baseline="0" cap="none" i="0" spc="0" strike="noStrike" sz="1800" u="none" kumimoji="0" normalizeH="0">
+          <a:defRPr kumimoji="0" sz="1800" b="0" i="0" u="none" strike="noStrike" cap="none" spc="0" normalizeH="0" baseline="0">
             <a:ln>
               <a:noFill/>
             </a:ln>
@@ -6613,7 +6779,7 @@
           <a:buFontTx/>
           <a:buNone/>
           <a:tabLst/>
-          <a:defRPr b="0" baseline="0" cap="none" i="0" spc="0" strike="noStrike" sz="1800" u="none" kumimoji="0" normalizeH="0">
+          <a:defRPr kumimoji="0" sz="1800" b="0" i="0" u="none" strike="noStrike" cap="none" spc="0" normalizeH="0" baseline="0">
             <a:ln>
               <a:noFill/>
             </a:ln>
@@ -6626,9 +6792,15 @@
         </a:lvl9pPr>
       </a:lstStyle>
       <a:style>
-        <a:lnRef idx="0"/>
-        <a:fillRef idx="0"/>
-        <a:effectRef idx="0"/>
+        <a:lnRef idx="0">
+          <a:scrgbClr r="0" g="0" b="0"/>
+        </a:lnRef>
+        <a:fillRef idx="0">
+          <a:scrgbClr r="0" g="0" b="0"/>
+        </a:fillRef>
+        <a:effectRef idx="0">
+          <a:scrgbClr r="0" g="0" b="0"/>
+        </a:effectRef>
         <a:fontRef idx="none"/>
       </a:style>
     </a:spDef>
@@ -6645,7 +6817,7 @@
         <a:effectLst/>
         <a:sp3d/>
       </a:spPr>
-      <a:bodyPr rot="0" spcFirstLastPara="1" vertOverflow="overflow" horzOverflow="overflow" vert="horz" wrap="square" lIns="91439" tIns="45719" rIns="91439" bIns="45719" numCol="1" spcCol="38100" rtlCol="0" anchor="t" upright="0">
+      <a:bodyPr rot="0" spcFirstLastPara="1" vertOverflow="overflow" horzOverflow="overflow" vert="horz" wrap="square" lIns="91439" tIns="45719" rIns="91439" bIns="45719" numCol="1" spcCol="38100" rtlCol="0" anchor="t">
         <a:noAutofit/>
       </a:bodyPr>
       <a:lstStyle>
@@ -6664,7 +6836,7 @@
           <a:buFontTx/>
           <a:buNone/>
           <a:tabLst/>
-          <a:defRPr b="0" baseline="0" cap="none" i="0" spc="0" strike="noStrike" sz="1800" u="none" kumimoji="0" normalizeH="0">
+          <a:defRPr kumimoji="0" sz="1800" b="0" i="0" u="none" strike="noStrike" cap="none" spc="0" normalizeH="0" baseline="0">
             <a:ln>
               <a:noFill/>
             </a:ln>
@@ -6690,7 +6862,7 @@
           <a:buFontTx/>
           <a:buNone/>
           <a:tabLst/>
-          <a:defRPr b="0" baseline="0" cap="none" i="0" spc="0" strike="noStrike" sz="1800" u="none" kumimoji="0" normalizeH="0">
+          <a:defRPr kumimoji="0" sz="1800" b="0" i="0" u="none" strike="noStrike" cap="none" spc="0" normalizeH="0" baseline="0">
             <a:ln>
               <a:noFill/>
             </a:ln>
@@ -6716,7 +6888,7 @@
           <a:buFontTx/>
           <a:buNone/>
           <a:tabLst/>
-          <a:defRPr b="0" baseline="0" cap="none" i="0" spc="0" strike="noStrike" sz="1800" u="none" kumimoji="0" normalizeH="0">
+          <a:defRPr kumimoji="0" sz="1800" b="0" i="0" u="none" strike="noStrike" cap="none" spc="0" normalizeH="0" baseline="0">
             <a:ln>
               <a:noFill/>
             </a:ln>
@@ -6742,7 +6914,7 @@
           <a:buFontTx/>
           <a:buNone/>
           <a:tabLst/>
-          <a:defRPr b="0" baseline="0" cap="none" i="0" spc="0" strike="noStrike" sz="1800" u="none" kumimoji="0" normalizeH="0">
+          <a:defRPr kumimoji="0" sz="1800" b="0" i="0" u="none" strike="noStrike" cap="none" spc="0" normalizeH="0" baseline="0">
             <a:ln>
               <a:noFill/>
             </a:ln>
@@ -6768,7 +6940,7 @@
           <a:buFontTx/>
           <a:buNone/>
           <a:tabLst/>
-          <a:defRPr b="0" baseline="0" cap="none" i="0" spc="0" strike="noStrike" sz="1800" u="none" kumimoji="0" normalizeH="0">
+          <a:defRPr kumimoji="0" sz="1800" b="0" i="0" u="none" strike="noStrike" cap="none" spc="0" normalizeH="0" baseline="0">
             <a:ln>
               <a:noFill/>
             </a:ln>
@@ -6794,7 +6966,7 @@
           <a:buFontTx/>
           <a:buNone/>
           <a:tabLst/>
-          <a:defRPr b="0" baseline="0" cap="none" i="0" spc="0" strike="noStrike" sz="1800" u="none" kumimoji="0" normalizeH="0">
+          <a:defRPr kumimoji="0" sz="1800" b="0" i="0" u="none" strike="noStrike" cap="none" spc="0" normalizeH="0" baseline="0">
             <a:ln>
               <a:noFill/>
             </a:ln>
@@ -6820,7 +6992,7 @@
           <a:buFontTx/>
           <a:buNone/>
           <a:tabLst/>
-          <a:defRPr b="0" baseline="0" cap="none" i="0" spc="0" strike="noStrike" sz="1800" u="none" kumimoji="0" normalizeH="0">
+          <a:defRPr kumimoji="0" sz="1800" b="0" i="0" u="none" strike="noStrike" cap="none" spc="0" normalizeH="0" baseline="0">
             <a:ln>
               <a:noFill/>
             </a:ln>
@@ -6846,7 +7018,7 @@
           <a:buFontTx/>
           <a:buNone/>
           <a:tabLst/>
-          <a:defRPr b="0" baseline="0" cap="none" i="0" spc="0" strike="noStrike" sz="1800" u="none" kumimoji="0" normalizeH="0">
+          <a:defRPr kumimoji="0" sz="1800" b="0" i="0" u="none" strike="noStrike" cap="none" spc="0" normalizeH="0" baseline="0">
             <a:ln>
               <a:noFill/>
             </a:ln>
@@ -6872,7 +7044,7 @@
           <a:buFontTx/>
           <a:buNone/>
           <a:tabLst/>
-          <a:defRPr b="0" baseline="0" cap="none" i="0" spc="0" strike="noStrike" sz="1800" u="none" kumimoji="0" normalizeH="0">
+          <a:defRPr kumimoji="0" sz="1800" b="0" i="0" u="none" strike="noStrike" cap="none" spc="0" normalizeH="0" baseline="0">
             <a:ln>
               <a:noFill/>
             </a:ln>
@@ -6898,7 +7070,7 @@
           <a:buFontTx/>
           <a:buNone/>
           <a:tabLst/>
-          <a:defRPr b="0" baseline="0" cap="none" i="0" spc="0" strike="noStrike" sz="1800" u="none" kumimoji="0" normalizeH="0">
+          <a:defRPr kumimoji="0" sz="1800" b="0" i="0" u="none" strike="noStrike" cap="none" spc="0" normalizeH="0" baseline="0">
             <a:ln>
               <a:noFill/>
             </a:ln>
@@ -6911,9 +7083,15 @@
         </a:lvl9pPr>
       </a:lstStyle>
       <a:style>
-        <a:lnRef idx="0"/>
-        <a:fillRef idx="0"/>
-        <a:effectRef idx="0"/>
+        <a:lnRef idx="0">
+          <a:scrgbClr r="0" g="0" b="0"/>
+        </a:lnRef>
+        <a:fillRef idx="0">
+          <a:scrgbClr r="0" g="0" b="0"/>
+        </a:fillRef>
+        <a:effectRef idx="0">
+          <a:scrgbClr r="0" g="0" b="0"/>
+        </a:effectRef>
         <a:fontRef idx="none"/>
       </a:style>
     </a:lnDef>
@@ -6927,7 +7105,7 @@
         <a:effectLst/>
         <a:sp3d/>
       </a:spPr>
-      <a:bodyPr rot="0" spcFirstLastPara="1" vertOverflow="overflow" horzOverflow="overflow" vert="horz" wrap="square" lIns="45719" tIns="45719" rIns="45719" bIns="45719" numCol="1" spcCol="38100" rtlCol="0" anchor="t" upright="0">
+      <a:bodyPr rot="0" spcFirstLastPara="1" vertOverflow="overflow" horzOverflow="overflow" vert="horz" wrap="square" lIns="45719" tIns="45719" rIns="45719" bIns="45719" numCol="1" spcCol="38100" rtlCol="0" anchor="t">
         <a:spAutoFit/>
       </a:bodyPr>
       <a:lstStyle>
@@ -6946,7 +7124,7 @@
           <a:buFontTx/>
           <a:buNone/>
           <a:tabLst/>
-          <a:defRPr b="0" baseline="0" cap="none" i="0" spc="0" strike="noStrike" sz="1800" u="none" kumimoji="0" normalizeH="0">
+          <a:defRPr kumimoji="0" sz="1800" b="0" i="0" u="none" strike="noStrike" cap="none" spc="0" normalizeH="0" baseline="0">
             <a:ln>
               <a:noFill/>
             </a:ln>
@@ -6976,7 +7154,7 @@
           <a:buFontTx/>
           <a:buNone/>
           <a:tabLst/>
-          <a:defRPr b="0" baseline="0" cap="none" i="0" spc="0" strike="noStrike" sz="1800" u="none" kumimoji="0" normalizeH="0">
+          <a:defRPr kumimoji="0" sz="1800" b="0" i="0" u="none" strike="noStrike" cap="none" spc="0" normalizeH="0" baseline="0">
             <a:ln>
               <a:noFill/>
             </a:ln>
@@ -7002,7 +7180,7 @@
           <a:buFontTx/>
           <a:buNone/>
           <a:tabLst/>
-          <a:defRPr b="0" baseline="0" cap="none" i="0" spc="0" strike="noStrike" sz="1800" u="none" kumimoji="0" normalizeH="0">
+          <a:defRPr kumimoji="0" sz="1800" b="0" i="0" u="none" strike="noStrike" cap="none" spc="0" normalizeH="0" baseline="0">
             <a:ln>
               <a:noFill/>
             </a:ln>
@@ -7028,7 +7206,7 @@
           <a:buFontTx/>
           <a:buNone/>
           <a:tabLst/>
-          <a:defRPr b="0" baseline="0" cap="none" i="0" spc="0" strike="noStrike" sz="1800" u="none" kumimoji="0" normalizeH="0">
+          <a:defRPr kumimoji="0" sz="1800" b="0" i="0" u="none" strike="noStrike" cap="none" spc="0" normalizeH="0" baseline="0">
             <a:ln>
               <a:noFill/>
             </a:ln>
@@ -7054,7 +7232,7 @@
           <a:buFontTx/>
           <a:buNone/>
           <a:tabLst/>
-          <a:defRPr b="0" baseline="0" cap="none" i="0" spc="0" strike="noStrike" sz="1800" u="none" kumimoji="0" normalizeH="0">
+          <a:defRPr kumimoji="0" sz="1800" b="0" i="0" u="none" strike="noStrike" cap="none" spc="0" normalizeH="0" baseline="0">
             <a:ln>
               <a:noFill/>
             </a:ln>
@@ -7080,7 +7258,7 @@
           <a:buFontTx/>
           <a:buNone/>
           <a:tabLst/>
-          <a:defRPr b="0" baseline="0" cap="none" i="0" spc="0" strike="noStrike" sz="1800" u="none" kumimoji="0" normalizeH="0">
+          <a:defRPr kumimoji="0" sz="1800" b="0" i="0" u="none" strike="noStrike" cap="none" spc="0" normalizeH="0" baseline="0">
             <a:ln>
               <a:noFill/>
             </a:ln>
@@ -7106,7 +7284,7 @@
           <a:buFontTx/>
           <a:buNone/>
           <a:tabLst/>
-          <a:defRPr b="0" baseline="0" cap="none" i="0" spc="0" strike="noStrike" sz="1800" u="none" kumimoji="0" normalizeH="0">
+          <a:defRPr kumimoji="0" sz="1800" b="0" i="0" u="none" strike="noStrike" cap="none" spc="0" normalizeH="0" baseline="0">
             <a:ln>
               <a:noFill/>
             </a:ln>
@@ -7132,7 +7310,7 @@
           <a:buFontTx/>
           <a:buNone/>
           <a:tabLst/>
-          <a:defRPr b="0" baseline="0" cap="none" i="0" spc="0" strike="noStrike" sz="1800" u="none" kumimoji="0" normalizeH="0">
+          <a:defRPr kumimoji="0" sz="1800" b="0" i="0" u="none" strike="noStrike" cap="none" spc="0" normalizeH="0" baseline="0">
             <a:ln>
               <a:noFill/>
             </a:ln>
@@ -7158,7 +7336,7 @@
           <a:buFontTx/>
           <a:buNone/>
           <a:tabLst/>
-          <a:defRPr b="0" baseline="0" cap="none" i="0" spc="0" strike="noStrike" sz="1800" u="none" kumimoji="0" normalizeH="0">
+          <a:defRPr kumimoji="0" sz="1800" b="0" i="0" u="none" strike="noStrike" cap="none" spc="0" normalizeH="0" baseline="0">
             <a:ln>
               <a:noFill/>
             </a:ln>
@@ -7184,7 +7362,7 @@
           <a:buFontTx/>
           <a:buNone/>
           <a:tabLst/>
-          <a:defRPr b="0" baseline="0" cap="none" i="0" spc="0" strike="noStrike" sz="1800" u="none" kumimoji="0" normalizeH="0">
+          <a:defRPr kumimoji="0" sz="1800" b="0" i="0" u="none" strike="noStrike" cap="none" spc="0" normalizeH="0" baseline="0">
             <a:ln>
               <a:noFill/>
             </a:ln>
@@ -7197,18 +7375,25 @@
         </a:lvl9pPr>
       </a:lstStyle>
       <a:style>
-        <a:lnRef idx="0"/>
-        <a:fillRef idx="0"/>
-        <a:effectRef idx="0"/>
+        <a:lnRef idx="0">
+          <a:scrgbClr r="0" g="0" b="0"/>
+        </a:lnRef>
+        <a:fillRef idx="0">
+          <a:scrgbClr r="0" g="0" b="0"/>
+        </a:fillRef>
+        <a:effectRef idx="0">
+          <a:scrgbClr r="0" g="0" b="0"/>
+        </a:effectRef>
         <a:fontRef idx="none"/>
       </a:style>
     </a:txDef>
   </a:objectDefaults>
+  <a:extraClrSchemeLst/>
 </a:theme>
 </file>
 
 <file path=ppt/theme/theme2.xml><?xml version="1.0" encoding="utf-8"?>
-<a:theme xmlns:a="http://schemas.openxmlformats.org/drawingml/2006/main" xmlns:r="http://schemas.openxmlformats.org/officeDocument/2006/relationships" name="Office 主题​​">
+<a:theme xmlns:a="http://schemas.openxmlformats.org/drawingml/2006/main" name="Office 主题​​">
   <a:themeElements>
     <a:clrScheme name="Office 主题​​">
       <a:dk1>
@@ -7410,7 +7595,7 @@
         <a:effectLst/>
         <a:sp3d/>
       </a:spPr>
-      <a:bodyPr rot="0" spcFirstLastPara="1" vertOverflow="overflow" horzOverflow="overflow" vert="horz" wrap="square" lIns="45719" tIns="45719" rIns="45719" bIns="45719" numCol="1" spcCol="38100" rtlCol="0" anchor="ctr" upright="0">
+      <a:bodyPr rot="0" spcFirstLastPara="1" vertOverflow="overflow" horzOverflow="overflow" vert="horz" wrap="square" lIns="45719" tIns="45719" rIns="45719" bIns="45719" numCol="1" spcCol="38100" rtlCol="0" anchor="ctr">
         <a:spAutoFit/>
       </a:bodyPr>
       <a:lstStyle>
@@ -7429,7 +7614,7 @@
           <a:buFontTx/>
           <a:buNone/>
           <a:tabLst/>
-          <a:defRPr b="0" baseline="0" cap="none" i="0" spc="0" strike="noStrike" sz="1800" u="none" kumimoji="0" normalizeH="0">
+          <a:defRPr kumimoji="0" sz="1800" b="0" i="0" u="none" strike="noStrike" cap="none" spc="0" normalizeH="0" baseline="0">
             <a:ln>
               <a:noFill/>
             </a:ln>
@@ -7459,7 +7644,7 @@
           <a:buFontTx/>
           <a:buNone/>
           <a:tabLst/>
-          <a:defRPr b="0" baseline="0" cap="none" i="0" spc="0" strike="noStrike" sz="1800" u="none" kumimoji="0" normalizeH="0">
+          <a:defRPr kumimoji="0" sz="1800" b="0" i="0" u="none" strike="noStrike" cap="none" spc="0" normalizeH="0" baseline="0">
             <a:ln>
               <a:noFill/>
             </a:ln>
@@ -7485,7 +7670,7 @@
           <a:buFontTx/>
           <a:buNone/>
           <a:tabLst/>
-          <a:defRPr b="0" baseline="0" cap="none" i="0" spc="0" strike="noStrike" sz="1800" u="none" kumimoji="0" normalizeH="0">
+          <a:defRPr kumimoji="0" sz="1800" b="0" i="0" u="none" strike="noStrike" cap="none" spc="0" normalizeH="0" baseline="0">
             <a:ln>
               <a:noFill/>
             </a:ln>
@@ -7511,7 +7696,7 @@
           <a:buFontTx/>
           <a:buNone/>
           <a:tabLst/>
-          <a:defRPr b="0" baseline="0" cap="none" i="0" spc="0" strike="noStrike" sz="1800" u="none" kumimoji="0" normalizeH="0">
+          <a:defRPr kumimoji="0" sz="1800" b="0" i="0" u="none" strike="noStrike" cap="none" spc="0" normalizeH="0" baseline="0">
             <a:ln>
               <a:noFill/>
             </a:ln>
@@ -7537,7 +7722,7 @@
           <a:buFontTx/>
           <a:buNone/>
           <a:tabLst/>
-          <a:defRPr b="0" baseline="0" cap="none" i="0" spc="0" strike="noStrike" sz="1800" u="none" kumimoji="0" normalizeH="0">
+          <a:defRPr kumimoji="0" sz="1800" b="0" i="0" u="none" strike="noStrike" cap="none" spc="0" normalizeH="0" baseline="0">
             <a:ln>
               <a:noFill/>
             </a:ln>
@@ -7563,7 +7748,7 @@
           <a:buFontTx/>
           <a:buNone/>
           <a:tabLst/>
-          <a:defRPr b="0" baseline="0" cap="none" i="0" spc="0" strike="noStrike" sz="1800" u="none" kumimoji="0" normalizeH="0">
+          <a:defRPr kumimoji="0" sz="1800" b="0" i="0" u="none" strike="noStrike" cap="none" spc="0" normalizeH="0" baseline="0">
             <a:ln>
               <a:noFill/>
             </a:ln>
@@ -7589,7 +7774,7 @@
           <a:buFontTx/>
           <a:buNone/>
           <a:tabLst/>
-          <a:defRPr b="0" baseline="0" cap="none" i="0" spc="0" strike="noStrike" sz="1800" u="none" kumimoji="0" normalizeH="0">
+          <a:defRPr kumimoji="0" sz="1800" b="0" i="0" u="none" strike="noStrike" cap="none" spc="0" normalizeH="0" baseline="0">
             <a:ln>
               <a:noFill/>
             </a:ln>
@@ -7615,7 +7800,7 @@
           <a:buFontTx/>
           <a:buNone/>
           <a:tabLst/>
-          <a:defRPr b="0" baseline="0" cap="none" i="0" spc="0" strike="noStrike" sz="1800" u="none" kumimoji="0" normalizeH="0">
+          <a:defRPr kumimoji="0" sz="1800" b="0" i="0" u="none" strike="noStrike" cap="none" spc="0" normalizeH="0" baseline="0">
             <a:ln>
               <a:noFill/>
             </a:ln>
@@ -7641,7 +7826,7 @@
           <a:buFontTx/>
           <a:buNone/>
           <a:tabLst/>
-          <a:defRPr b="0" baseline="0" cap="none" i="0" spc="0" strike="noStrike" sz="1800" u="none" kumimoji="0" normalizeH="0">
+          <a:defRPr kumimoji="0" sz="1800" b="0" i="0" u="none" strike="noStrike" cap="none" spc="0" normalizeH="0" baseline="0">
             <a:ln>
               <a:noFill/>
             </a:ln>
@@ -7667,7 +7852,7 @@
           <a:buFontTx/>
           <a:buNone/>
           <a:tabLst/>
-          <a:defRPr b="0" baseline="0" cap="none" i="0" spc="0" strike="noStrike" sz="1800" u="none" kumimoji="0" normalizeH="0">
+          <a:defRPr kumimoji="0" sz="1800" b="0" i="0" u="none" strike="noStrike" cap="none" spc="0" normalizeH="0" baseline="0">
             <a:ln>
               <a:noFill/>
             </a:ln>
@@ -7680,9 +7865,15 @@
         </a:lvl9pPr>
       </a:lstStyle>
       <a:style>
-        <a:lnRef idx="0"/>
-        <a:fillRef idx="0"/>
-        <a:effectRef idx="0"/>
+        <a:lnRef idx="0">
+          <a:scrgbClr r="0" g="0" b="0"/>
+        </a:lnRef>
+        <a:fillRef idx="0">
+          <a:scrgbClr r="0" g="0" b="0"/>
+        </a:fillRef>
+        <a:effectRef idx="0">
+          <a:scrgbClr r="0" g="0" b="0"/>
+        </a:effectRef>
         <a:fontRef idx="none"/>
       </a:style>
     </a:spDef>
@@ -7699,7 +7890,7 @@
         <a:effectLst/>
         <a:sp3d/>
       </a:spPr>
-      <a:bodyPr rot="0" spcFirstLastPara="1" vertOverflow="overflow" horzOverflow="overflow" vert="horz" wrap="square" lIns="91439" tIns="45719" rIns="91439" bIns="45719" numCol="1" spcCol="38100" rtlCol="0" anchor="t" upright="0">
+      <a:bodyPr rot="0" spcFirstLastPara="1" vertOverflow="overflow" horzOverflow="overflow" vert="horz" wrap="square" lIns="91439" tIns="45719" rIns="91439" bIns="45719" numCol="1" spcCol="38100" rtlCol="0" anchor="t">
         <a:noAutofit/>
       </a:bodyPr>
       <a:lstStyle>
@@ -7718,7 +7909,7 @@
           <a:buFontTx/>
           <a:buNone/>
           <a:tabLst/>
-          <a:defRPr b="0" baseline="0" cap="none" i="0" spc="0" strike="noStrike" sz="1800" u="none" kumimoji="0" normalizeH="0">
+          <a:defRPr kumimoji="0" sz="1800" b="0" i="0" u="none" strike="noStrike" cap="none" spc="0" normalizeH="0" baseline="0">
             <a:ln>
               <a:noFill/>
             </a:ln>
@@ -7744,7 +7935,7 @@
           <a:buFontTx/>
           <a:buNone/>
           <a:tabLst/>
-          <a:defRPr b="0" baseline="0" cap="none" i="0" spc="0" strike="noStrike" sz="1800" u="none" kumimoji="0" normalizeH="0">
+          <a:defRPr kumimoji="0" sz="1800" b="0" i="0" u="none" strike="noStrike" cap="none" spc="0" normalizeH="0" baseline="0">
             <a:ln>
               <a:noFill/>
             </a:ln>
@@ -7770,7 +7961,7 @@
           <a:buFontTx/>
           <a:buNone/>
           <a:tabLst/>
-          <a:defRPr b="0" baseline="0" cap="none" i="0" spc="0" strike="noStrike" sz="1800" u="none" kumimoji="0" normalizeH="0">
+          <a:defRPr kumimoji="0" sz="1800" b="0" i="0" u="none" strike="noStrike" cap="none" spc="0" normalizeH="0" baseline="0">
             <a:ln>
               <a:noFill/>
             </a:ln>
@@ -7796,7 +7987,7 @@
           <a:buFontTx/>
           <a:buNone/>
           <a:tabLst/>
-          <a:defRPr b="0" baseline="0" cap="none" i="0" spc="0" strike="noStrike" sz="1800" u="none" kumimoji="0" normalizeH="0">
+          <a:defRPr kumimoji="0" sz="1800" b="0" i="0" u="none" strike="noStrike" cap="none" spc="0" normalizeH="0" baseline="0">
             <a:ln>
               <a:noFill/>
             </a:ln>
@@ -7822,7 +8013,7 @@
           <a:buFontTx/>
           <a:buNone/>
           <a:tabLst/>
-          <a:defRPr b="0" baseline="0" cap="none" i="0" spc="0" strike="noStrike" sz="1800" u="none" kumimoji="0" normalizeH="0">
+          <a:defRPr kumimoji="0" sz="1800" b="0" i="0" u="none" strike="noStrike" cap="none" spc="0" normalizeH="0" baseline="0">
             <a:ln>
               <a:noFill/>
             </a:ln>
@@ -7848,7 +8039,7 @@
           <a:buFontTx/>
           <a:buNone/>
           <a:tabLst/>
-          <a:defRPr b="0" baseline="0" cap="none" i="0" spc="0" strike="noStrike" sz="1800" u="none" kumimoji="0" normalizeH="0">
+          <a:defRPr kumimoji="0" sz="1800" b="0" i="0" u="none" strike="noStrike" cap="none" spc="0" normalizeH="0" baseline="0">
             <a:ln>
               <a:noFill/>
             </a:ln>
@@ -7874,7 +8065,7 @@
           <a:buFontTx/>
           <a:buNone/>
           <a:tabLst/>
-          <a:defRPr b="0" baseline="0" cap="none" i="0" spc="0" strike="noStrike" sz="1800" u="none" kumimoji="0" normalizeH="0">
+          <a:defRPr kumimoji="0" sz="1800" b="0" i="0" u="none" strike="noStrike" cap="none" spc="0" normalizeH="0" baseline="0">
             <a:ln>
               <a:noFill/>
             </a:ln>
@@ -7900,7 +8091,7 @@
           <a:buFontTx/>
           <a:buNone/>
           <a:tabLst/>
-          <a:defRPr b="0" baseline="0" cap="none" i="0" spc="0" strike="noStrike" sz="1800" u="none" kumimoji="0" normalizeH="0">
+          <a:defRPr kumimoji="0" sz="1800" b="0" i="0" u="none" strike="noStrike" cap="none" spc="0" normalizeH="0" baseline="0">
             <a:ln>
               <a:noFill/>
             </a:ln>
@@ -7926,7 +8117,7 @@
           <a:buFontTx/>
           <a:buNone/>
           <a:tabLst/>
-          <a:defRPr b="0" baseline="0" cap="none" i="0" spc="0" strike="noStrike" sz="1800" u="none" kumimoji="0" normalizeH="0">
+          <a:defRPr kumimoji="0" sz="1800" b="0" i="0" u="none" strike="noStrike" cap="none" spc="0" normalizeH="0" baseline="0">
             <a:ln>
               <a:noFill/>
             </a:ln>
@@ -7952,7 +8143,7 @@
           <a:buFontTx/>
           <a:buNone/>
           <a:tabLst/>
-          <a:defRPr b="0" baseline="0" cap="none" i="0" spc="0" strike="noStrike" sz="1800" u="none" kumimoji="0" normalizeH="0">
+          <a:defRPr kumimoji="0" sz="1800" b="0" i="0" u="none" strike="noStrike" cap="none" spc="0" normalizeH="0" baseline="0">
             <a:ln>
               <a:noFill/>
             </a:ln>
@@ -7965,9 +8156,15 @@
         </a:lvl9pPr>
       </a:lstStyle>
       <a:style>
-        <a:lnRef idx="0"/>
-        <a:fillRef idx="0"/>
-        <a:effectRef idx="0"/>
+        <a:lnRef idx="0">
+          <a:scrgbClr r="0" g="0" b="0"/>
+        </a:lnRef>
+        <a:fillRef idx="0">
+          <a:scrgbClr r="0" g="0" b="0"/>
+        </a:fillRef>
+        <a:effectRef idx="0">
+          <a:scrgbClr r="0" g="0" b="0"/>
+        </a:effectRef>
         <a:fontRef idx="none"/>
       </a:style>
     </a:lnDef>
@@ -7981,7 +8178,7 @@
         <a:effectLst/>
         <a:sp3d/>
       </a:spPr>
-      <a:bodyPr rot="0" spcFirstLastPara="1" vertOverflow="overflow" horzOverflow="overflow" vert="horz" wrap="square" lIns="45719" tIns="45719" rIns="45719" bIns="45719" numCol="1" spcCol="38100" rtlCol="0" anchor="t" upright="0">
+      <a:bodyPr rot="0" spcFirstLastPara="1" vertOverflow="overflow" horzOverflow="overflow" vert="horz" wrap="square" lIns="45719" tIns="45719" rIns="45719" bIns="45719" numCol="1" spcCol="38100" rtlCol="0" anchor="t">
         <a:spAutoFit/>
       </a:bodyPr>
       <a:lstStyle>
@@ -8000,7 +8197,7 @@
           <a:buFontTx/>
           <a:buNone/>
           <a:tabLst/>
-          <a:defRPr b="0" baseline="0" cap="none" i="0" spc="0" strike="noStrike" sz="1800" u="none" kumimoji="0" normalizeH="0">
+          <a:defRPr kumimoji="0" sz="1800" b="0" i="0" u="none" strike="noStrike" cap="none" spc="0" normalizeH="0" baseline="0">
             <a:ln>
               <a:noFill/>
             </a:ln>
@@ -8030,7 +8227,7 @@
           <a:buFontTx/>
           <a:buNone/>
           <a:tabLst/>
-          <a:defRPr b="0" baseline="0" cap="none" i="0" spc="0" strike="noStrike" sz="1800" u="none" kumimoji="0" normalizeH="0">
+          <a:defRPr kumimoji="0" sz="1800" b="0" i="0" u="none" strike="noStrike" cap="none" spc="0" normalizeH="0" baseline="0">
             <a:ln>
               <a:noFill/>
             </a:ln>
@@ -8056,7 +8253,7 @@
           <a:buFontTx/>
           <a:buNone/>
           <a:tabLst/>
-          <a:defRPr b="0" baseline="0" cap="none" i="0" spc="0" strike="noStrike" sz="1800" u="none" kumimoji="0" normalizeH="0">
+          <a:defRPr kumimoji="0" sz="1800" b="0" i="0" u="none" strike="noStrike" cap="none" spc="0" normalizeH="0" baseline="0">
             <a:ln>
               <a:noFill/>
             </a:ln>
@@ -8082,7 +8279,7 @@
           <a:buFontTx/>
           <a:buNone/>
           <a:tabLst/>
-          <a:defRPr b="0" baseline="0" cap="none" i="0" spc="0" strike="noStrike" sz="1800" u="none" kumimoji="0" normalizeH="0">
+          <a:defRPr kumimoji="0" sz="1800" b="0" i="0" u="none" strike="noStrike" cap="none" spc="0" normalizeH="0" baseline="0">
             <a:ln>
               <a:noFill/>
             </a:ln>
@@ -8108,7 +8305,7 @@
           <a:buFontTx/>
           <a:buNone/>
           <a:tabLst/>
-          <a:defRPr b="0" baseline="0" cap="none" i="0" spc="0" strike="noStrike" sz="1800" u="none" kumimoji="0" normalizeH="0">
+          <a:defRPr kumimoji="0" sz="1800" b="0" i="0" u="none" strike="noStrike" cap="none" spc="0" normalizeH="0" baseline="0">
             <a:ln>
               <a:noFill/>
             </a:ln>
@@ -8134,7 +8331,7 @@
           <a:buFontTx/>
           <a:buNone/>
           <a:tabLst/>
-          <a:defRPr b="0" baseline="0" cap="none" i="0" spc="0" strike="noStrike" sz="1800" u="none" kumimoji="0" normalizeH="0">
+          <a:defRPr kumimoji="0" sz="1800" b="0" i="0" u="none" strike="noStrike" cap="none" spc="0" normalizeH="0" baseline="0">
             <a:ln>
               <a:noFill/>
             </a:ln>
@@ -8160,7 +8357,7 @@
           <a:buFontTx/>
           <a:buNone/>
           <a:tabLst/>
-          <a:defRPr b="0" baseline="0" cap="none" i="0" spc="0" strike="noStrike" sz="1800" u="none" kumimoji="0" normalizeH="0">
+          <a:defRPr kumimoji="0" sz="1800" b="0" i="0" u="none" strike="noStrike" cap="none" spc="0" normalizeH="0" baseline="0">
             <a:ln>
               <a:noFill/>
             </a:ln>
@@ -8186,7 +8383,7 @@
           <a:buFontTx/>
           <a:buNone/>
           <a:tabLst/>
-          <a:defRPr b="0" baseline="0" cap="none" i="0" spc="0" strike="noStrike" sz="1800" u="none" kumimoji="0" normalizeH="0">
+          <a:defRPr kumimoji="0" sz="1800" b="0" i="0" u="none" strike="noStrike" cap="none" spc="0" normalizeH="0" baseline="0">
             <a:ln>
               <a:noFill/>
             </a:ln>
@@ -8212,7 +8409,7 @@
           <a:buFontTx/>
           <a:buNone/>
           <a:tabLst/>
-          <a:defRPr b="0" baseline="0" cap="none" i="0" spc="0" strike="noStrike" sz="1800" u="none" kumimoji="0" normalizeH="0">
+          <a:defRPr kumimoji="0" sz="1800" b="0" i="0" u="none" strike="noStrike" cap="none" spc="0" normalizeH="0" baseline="0">
             <a:ln>
               <a:noFill/>
             </a:ln>
@@ -8238,7 +8435,7 @@
           <a:buFontTx/>
           <a:buNone/>
           <a:tabLst/>
-          <a:defRPr b="0" baseline="0" cap="none" i="0" spc="0" strike="noStrike" sz="1800" u="none" kumimoji="0" normalizeH="0">
+          <a:defRPr kumimoji="0" sz="1800" b="0" i="0" u="none" strike="noStrike" cap="none" spc="0" normalizeH="0" baseline="0">
             <a:ln>
               <a:noFill/>
             </a:ln>
@@ -8251,12 +8448,19 @@
         </a:lvl9pPr>
       </a:lstStyle>
       <a:style>
-        <a:lnRef idx="0"/>
-        <a:fillRef idx="0"/>
-        <a:effectRef idx="0"/>
+        <a:lnRef idx="0">
+          <a:scrgbClr r="0" g="0" b="0"/>
+        </a:lnRef>
+        <a:fillRef idx="0">
+          <a:scrgbClr r="0" g="0" b="0"/>
+        </a:fillRef>
+        <a:effectRef idx="0">
+          <a:scrgbClr r="0" g="0" b="0"/>
+        </a:effectRef>
         <a:fontRef idx="none"/>
       </a:style>
     </a:txDef>
   </a:objectDefaults>
+  <a:extraClrSchemeLst/>
 </a:theme>
 </file>